--- a/Membership Inference Attacks against Machine Learning Models via Prediction Sensitivity/Membership_Inference_Attacks_Against_Machine_Learning_Models_via_Prediction_Sensitivity.pptx
+++ b/Membership Inference Attacks against Machine Learning Models via Prediction Sensitivity/Membership_Inference_Attacks_Against_Machine_Learning_Models_via_Prediction_Sensitivity.pptx
@@ -6,7 +6,7 @@
     <p:sldMasterId id="2147483660" r:id="rId2"/>
   </p:sldMasterIdLst>
   <p:notesMasterIdLst>
-    <p:notesMasterId r:id="rId22"/>
+    <p:notesMasterId r:id="rId24"/>
   </p:notesMasterIdLst>
   <p:sldIdLst>
     <p:sldId id="256" r:id="rId3"/>
@@ -16,18 +16,20 @@
     <p:sldId id="287" r:id="rId7"/>
     <p:sldId id="286" r:id="rId8"/>
     <p:sldId id="288" r:id="rId9"/>
-    <p:sldId id="261" r:id="rId10"/>
-    <p:sldId id="289" r:id="rId11"/>
-    <p:sldId id="293" r:id="rId12"/>
-    <p:sldId id="290" r:id="rId13"/>
-    <p:sldId id="291" r:id="rId14"/>
-    <p:sldId id="292" r:id="rId15"/>
-    <p:sldId id="294" r:id="rId16"/>
-    <p:sldId id="296" r:id="rId17"/>
-    <p:sldId id="297" r:id="rId18"/>
-    <p:sldId id="298" r:id="rId19"/>
-    <p:sldId id="299" r:id="rId20"/>
-    <p:sldId id="285" r:id="rId21"/>
+    <p:sldId id="300" r:id="rId10"/>
+    <p:sldId id="261" r:id="rId11"/>
+    <p:sldId id="302" r:id="rId12"/>
+    <p:sldId id="289" r:id="rId13"/>
+    <p:sldId id="293" r:id="rId14"/>
+    <p:sldId id="290" r:id="rId15"/>
+    <p:sldId id="291" r:id="rId16"/>
+    <p:sldId id="292" r:id="rId17"/>
+    <p:sldId id="294" r:id="rId18"/>
+    <p:sldId id="296" r:id="rId19"/>
+    <p:sldId id="297" r:id="rId20"/>
+    <p:sldId id="298" r:id="rId21"/>
+    <p:sldId id="299" r:id="rId22"/>
+    <p:sldId id="285" r:id="rId23"/>
   </p:sldIdLst>
   <p:sldSz cx="12192000" cy="6858000"/>
   <p:notesSz cx="6858000" cy="9144000"/>
@@ -653,7 +655,7 @@
     </p:spTree>
     <p:extLst>
       <p:ext uri="{BB962C8B-B14F-4D97-AF65-F5344CB8AC3E}">
-        <p14:creationId xmlns:p14="http://schemas.microsoft.com/office/powerpoint/2010/main" val="3762986882"/>
+        <p14:creationId xmlns:p14="http://schemas.microsoft.com/office/powerpoint/2010/main" val="1587839683"/>
       </p:ext>
     </p:extLst>
   </p:cSld>
@@ -737,7 +739,7 @@
     </p:spTree>
     <p:extLst>
       <p:ext uri="{BB962C8B-B14F-4D97-AF65-F5344CB8AC3E}">
-        <p14:creationId xmlns:p14="http://schemas.microsoft.com/office/powerpoint/2010/main" val="871739984"/>
+        <p14:creationId xmlns:p14="http://schemas.microsoft.com/office/powerpoint/2010/main" val="3866036817"/>
       </p:ext>
     </p:extLst>
   </p:cSld>
@@ -821,7 +823,7 @@
     </p:spTree>
     <p:extLst>
       <p:ext uri="{BB962C8B-B14F-4D97-AF65-F5344CB8AC3E}">
-        <p14:creationId xmlns:p14="http://schemas.microsoft.com/office/powerpoint/2010/main" val="615700432"/>
+        <p14:creationId xmlns:p14="http://schemas.microsoft.com/office/powerpoint/2010/main" val="3762986882"/>
       </p:ext>
     </p:extLst>
   </p:cSld>
@@ -905,7 +907,7 @@
     </p:spTree>
     <p:extLst>
       <p:ext uri="{BB962C8B-B14F-4D97-AF65-F5344CB8AC3E}">
-        <p14:creationId xmlns:p14="http://schemas.microsoft.com/office/powerpoint/2010/main" val="1536363615"/>
+        <p14:creationId xmlns:p14="http://schemas.microsoft.com/office/powerpoint/2010/main" val="871739984"/>
       </p:ext>
     </p:extLst>
   </p:cSld>
@@ -989,7 +991,7 @@
     </p:spTree>
     <p:extLst>
       <p:ext uri="{BB962C8B-B14F-4D97-AF65-F5344CB8AC3E}">
-        <p14:creationId xmlns:p14="http://schemas.microsoft.com/office/powerpoint/2010/main" val="1698274004"/>
+        <p14:creationId xmlns:p14="http://schemas.microsoft.com/office/powerpoint/2010/main" val="615700432"/>
       </p:ext>
     </p:extLst>
   </p:cSld>
@@ -1065,6 +1067,174 @@
             <a:fld id="{C359A753-5B8F-43A4-B608-74A761929465}" type="slidenum">
               <a:rPr lang="zh-CN" altLang="en-US" smtClean="0"/>
               <a:t>18</a:t>
+            </a:fld>
+            <a:endParaRPr lang="zh-CN" altLang="en-US"/>
+          </a:p>
+        </p:txBody>
+      </p:sp>
+    </p:spTree>
+    <p:extLst>
+      <p:ext uri="{BB962C8B-B14F-4D97-AF65-F5344CB8AC3E}">
+        <p14:creationId xmlns:p14="http://schemas.microsoft.com/office/powerpoint/2010/main" val="1536363615"/>
+      </p:ext>
+    </p:extLst>
+  </p:cSld>
+  <p:clrMapOvr>
+    <a:masterClrMapping/>
+  </p:clrMapOvr>
+</p:notes>
+</file>
+
+<file path=ppt/notesSlides/notesSlide16.xml><?xml version="1.0" encoding="utf-8"?>
+<p:notes xmlns:a="http://schemas.openxmlformats.org/drawingml/2006/main" xmlns:r="http://schemas.openxmlformats.org/officeDocument/2006/relationships" xmlns:p="http://schemas.openxmlformats.org/presentationml/2006/main">
+  <p:cSld>
+    <p:spTree>
+      <p:nvGrpSpPr>
+        <p:cNvPr id="1" name=""/>
+        <p:cNvGrpSpPr/>
+        <p:nvPr/>
+      </p:nvGrpSpPr>
+      <p:grpSpPr>
+        <a:xfrm>
+          <a:off x="0" y="0"/>
+          <a:ext cx="0" cy="0"/>
+          <a:chOff x="0" y="0"/>
+          <a:chExt cx="0" cy="0"/>
+        </a:xfrm>
+      </p:grpSpPr>
+      <p:sp>
+        <p:nvSpPr>
+          <p:cNvPr id="2" name="幻灯片图像占位符 1"/>
+          <p:cNvSpPr>
+            <a:spLocks noGrp="1" noRot="1" noChangeAspect="1"/>
+          </p:cNvSpPr>
+          <p:nvPr>
+            <p:ph type="sldImg"/>
+          </p:nvPr>
+        </p:nvSpPr>
+        <p:spPr/>
+      </p:sp>
+      <p:sp>
+        <p:nvSpPr>
+          <p:cNvPr id="3" name="备注占位符 2"/>
+          <p:cNvSpPr>
+            <a:spLocks noGrp="1"/>
+          </p:cNvSpPr>
+          <p:nvPr>
+            <p:ph type="body" idx="1"/>
+          </p:nvPr>
+        </p:nvSpPr>
+        <p:spPr/>
+        <p:txBody>
+          <a:bodyPr/>
+          <a:lstStyle/>
+          <a:p>
+            <a:endParaRPr lang="zh-CN" altLang="en-US"/>
+          </a:p>
+        </p:txBody>
+      </p:sp>
+      <p:sp>
+        <p:nvSpPr>
+          <p:cNvPr id="4" name="灯片编号占位符 3"/>
+          <p:cNvSpPr>
+            <a:spLocks noGrp="1"/>
+          </p:cNvSpPr>
+          <p:nvPr>
+            <p:ph type="sldNum" sz="quarter" idx="5"/>
+          </p:nvPr>
+        </p:nvSpPr>
+        <p:spPr/>
+        <p:txBody>
+          <a:bodyPr/>
+          <a:lstStyle/>
+          <a:p>
+            <a:fld id="{C359A753-5B8F-43A4-B608-74A761929465}" type="slidenum">
+              <a:rPr lang="zh-CN" altLang="en-US" smtClean="0"/>
+              <a:t>19</a:t>
+            </a:fld>
+            <a:endParaRPr lang="zh-CN" altLang="en-US"/>
+          </a:p>
+        </p:txBody>
+      </p:sp>
+    </p:spTree>
+    <p:extLst>
+      <p:ext uri="{BB962C8B-B14F-4D97-AF65-F5344CB8AC3E}">
+        <p14:creationId xmlns:p14="http://schemas.microsoft.com/office/powerpoint/2010/main" val="1698274004"/>
+      </p:ext>
+    </p:extLst>
+  </p:cSld>
+  <p:clrMapOvr>
+    <a:masterClrMapping/>
+  </p:clrMapOvr>
+</p:notes>
+</file>
+
+<file path=ppt/notesSlides/notesSlide17.xml><?xml version="1.0" encoding="utf-8"?>
+<p:notes xmlns:a="http://schemas.openxmlformats.org/drawingml/2006/main" xmlns:r="http://schemas.openxmlformats.org/officeDocument/2006/relationships" xmlns:p="http://schemas.openxmlformats.org/presentationml/2006/main">
+  <p:cSld>
+    <p:spTree>
+      <p:nvGrpSpPr>
+        <p:cNvPr id="1" name=""/>
+        <p:cNvGrpSpPr/>
+        <p:nvPr/>
+      </p:nvGrpSpPr>
+      <p:grpSpPr>
+        <a:xfrm>
+          <a:off x="0" y="0"/>
+          <a:ext cx="0" cy="0"/>
+          <a:chOff x="0" y="0"/>
+          <a:chExt cx="0" cy="0"/>
+        </a:xfrm>
+      </p:grpSpPr>
+      <p:sp>
+        <p:nvSpPr>
+          <p:cNvPr id="2" name="幻灯片图像占位符 1"/>
+          <p:cNvSpPr>
+            <a:spLocks noGrp="1" noRot="1" noChangeAspect="1"/>
+          </p:cNvSpPr>
+          <p:nvPr>
+            <p:ph type="sldImg"/>
+          </p:nvPr>
+        </p:nvSpPr>
+        <p:spPr/>
+      </p:sp>
+      <p:sp>
+        <p:nvSpPr>
+          <p:cNvPr id="3" name="备注占位符 2"/>
+          <p:cNvSpPr>
+            <a:spLocks noGrp="1"/>
+          </p:cNvSpPr>
+          <p:nvPr>
+            <p:ph type="body" idx="1"/>
+          </p:nvPr>
+        </p:nvSpPr>
+        <p:spPr/>
+        <p:txBody>
+          <a:bodyPr/>
+          <a:lstStyle/>
+          <a:p>
+            <a:endParaRPr lang="zh-CN" altLang="en-US"/>
+          </a:p>
+        </p:txBody>
+      </p:sp>
+      <p:sp>
+        <p:nvSpPr>
+          <p:cNvPr id="4" name="灯片编号占位符 3"/>
+          <p:cNvSpPr>
+            <a:spLocks noGrp="1"/>
+          </p:cNvSpPr>
+          <p:nvPr>
+            <p:ph type="sldNum" sz="quarter" idx="5"/>
+          </p:nvPr>
+        </p:nvSpPr>
+        <p:spPr/>
+        <p:txBody>
+          <a:bodyPr/>
+          <a:lstStyle/>
+          <a:p>
+            <a:fld id="{C359A753-5B8F-43A4-B608-74A761929465}" type="slidenum">
+              <a:rPr lang="zh-CN" altLang="en-US" smtClean="0"/>
+              <a:t>20</a:t>
             </a:fld>
             <a:endParaRPr lang="zh-CN" altLang="en-US"/>
           </a:p>
@@ -1409,7 +1579,7 @@
     </p:spTree>
     <p:extLst>
       <p:ext uri="{BB962C8B-B14F-4D97-AF65-F5344CB8AC3E}">
-        <p14:creationId xmlns:p14="http://schemas.microsoft.com/office/powerpoint/2010/main" val="3658788681"/>
+        <p14:creationId xmlns:p14="http://schemas.microsoft.com/office/powerpoint/2010/main" val="1348597055"/>
       </p:ext>
     </p:extLst>
   </p:cSld>
@@ -1493,7 +1663,7 @@
     </p:spTree>
     <p:extLst>
       <p:ext uri="{BB962C8B-B14F-4D97-AF65-F5344CB8AC3E}">
-        <p14:creationId xmlns:p14="http://schemas.microsoft.com/office/powerpoint/2010/main" val="3460114027"/>
+        <p14:creationId xmlns:p14="http://schemas.microsoft.com/office/powerpoint/2010/main" val="3658788681"/>
       </p:ext>
     </p:extLst>
   </p:cSld>
@@ -1577,7 +1747,7 @@
     </p:spTree>
     <p:extLst>
       <p:ext uri="{BB962C8B-B14F-4D97-AF65-F5344CB8AC3E}">
-        <p14:creationId xmlns:p14="http://schemas.microsoft.com/office/powerpoint/2010/main" val="3726009233"/>
+        <p14:creationId xmlns:p14="http://schemas.microsoft.com/office/powerpoint/2010/main" val="3494593722"/>
       </p:ext>
     </p:extLst>
   </p:cSld>
@@ -1661,7 +1831,7 @@
     </p:spTree>
     <p:extLst>
       <p:ext uri="{BB962C8B-B14F-4D97-AF65-F5344CB8AC3E}">
-        <p14:creationId xmlns:p14="http://schemas.microsoft.com/office/powerpoint/2010/main" val="1587839683"/>
+        <p14:creationId xmlns:p14="http://schemas.microsoft.com/office/powerpoint/2010/main" val="3460114027"/>
       </p:ext>
     </p:extLst>
   </p:cSld>
@@ -1745,7 +1915,7 @@
     </p:spTree>
     <p:extLst>
       <p:ext uri="{BB962C8B-B14F-4D97-AF65-F5344CB8AC3E}">
-        <p14:creationId xmlns:p14="http://schemas.microsoft.com/office/powerpoint/2010/main" val="3866036817"/>
+        <p14:creationId xmlns:p14="http://schemas.microsoft.com/office/powerpoint/2010/main" val="3726009233"/>
       </p:ext>
     </p:extLst>
   </p:cSld>
@@ -8406,63 +8576,6 @@
           </a:p>
         </p:txBody>
       </p:sp>
-      <p:sp>
-        <p:nvSpPr>
-          <p:cNvPr id="5" name="文本框 4">
-            <a:extLst>
-              <a:ext uri="{FF2B5EF4-FFF2-40B4-BE49-F238E27FC236}">
-                <a16:creationId xmlns:a16="http://schemas.microsoft.com/office/drawing/2014/main" id="{BBB31A77-84B0-4109-B54A-5C560F14D854}"/>
-              </a:ext>
-            </a:extLst>
-          </p:cNvPr>
-          <p:cNvSpPr txBox="1"/>
-          <p:nvPr/>
-        </p:nvSpPr>
-        <p:spPr>
-          <a:xfrm>
-            <a:off x="496530" y="1088369"/>
-            <a:ext cx="11198940" cy="546047"/>
-          </a:xfrm>
-          <a:prstGeom prst="rect">
-            <a:avLst/>
-          </a:prstGeom>
-          <a:noFill/>
-        </p:spPr>
-        <p:txBody>
-          <a:bodyPr wrap="square">
-            <a:spAutoFit/>
-          </a:bodyPr>
-          <a:lstStyle/>
-          <a:p>
-            <a:pPr marL="457200" indent="-457200">
-              <a:lnSpc>
-                <a:spcPct val="114000"/>
-              </a:lnSpc>
-              <a:buFont typeface="Wingdings" panose="05000000000000000000" pitchFamily="2" charset="2"/>
-              <a:buChar char="Ø"/>
-            </a:pPr>
-            <a:r>
-              <a:rPr lang="zh-CN" altLang="en-US" sz="2800">
-                <a:solidFill>
-                  <a:srgbClr val="C00000"/>
-                </a:solidFill>
-                <a:latin typeface="华文中宋" panose="02010600040101010101" pitchFamily="2" charset="-122"/>
-                <a:ea typeface="华文中宋" panose="02010600040101010101" pitchFamily="2" charset="-122"/>
-                <a:cs typeface="Times New Roman" panose="02020603050405020304" pitchFamily="18" charset="0"/>
-              </a:rPr>
-              <a:t>②成员推理：</a:t>
-            </a:r>
-            <a:endParaRPr lang="en-US" altLang="zh-CN" sz="2800">
-              <a:solidFill>
-                <a:srgbClr val="C00000"/>
-              </a:solidFill>
-              <a:latin typeface="华文中宋" panose="02010600040101010101" pitchFamily="2" charset="-122"/>
-              <a:ea typeface="华文中宋" panose="02010600040101010101" pitchFamily="2" charset="-122"/>
-              <a:cs typeface="Times New Roman" panose="02020603050405020304" pitchFamily="18" charset="0"/>
-            </a:endParaRPr>
-          </a:p>
-        </p:txBody>
-      </p:sp>
       <p:cxnSp>
         <p:nvCxnSpPr>
           <p:cNvPr id="10" name="直接连接符 9">
@@ -8504,8 +8617,740 @@
           </a:fontRef>
         </p:style>
       </p:cxnSp>
-      <mc:AlternateContent xmlns:mc="http://schemas.openxmlformats.org/markup-compatibility/2006">
-        <mc:Choice xmlns:a14="http://schemas.microsoft.com/office/drawing/2010/main" Requires="a14">
+      <p:pic>
+        <p:nvPicPr>
+          <p:cNvPr id="4" name="图片 3">
+            <a:extLst>
+              <a:ext uri="{FF2B5EF4-FFF2-40B4-BE49-F238E27FC236}">
+                <a16:creationId xmlns:a16="http://schemas.microsoft.com/office/drawing/2014/main" id="{2DEE850A-11A2-4A47-9205-0100EDB9F552}"/>
+              </a:ext>
+            </a:extLst>
+          </p:cNvPr>
+          <p:cNvPicPr>
+            <a:picLocks noChangeAspect="1"/>
+          </p:cNvPicPr>
+          <p:nvPr/>
+        </p:nvPicPr>
+        <p:blipFill>
+          <a:blip r:embed="rId3"/>
+          <a:stretch>
+            <a:fillRect/>
+          </a:stretch>
+        </p:blipFill>
+        <p:spPr>
+          <a:xfrm>
+            <a:off x="213600" y="1642190"/>
+            <a:ext cx="11764800" cy="3906353"/>
+          </a:xfrm>
+          <a:prstGeom prst="rect">
+            <a:avLst/>
+          </a:prstGeom>
+        </p:spPr>
+      </p:pic>
+    </p:spTree>
+    <p:extLst>
+      <p:ext uri="{BB962C8B-B14F-4D97-AF65-F5344CB8AC3E}">
+        <p14:creationId xmlns:p14="http://schemas.microsoft.com/office/powerpoint/2010/main" val="683376807"/>
+      </p:ext>
+    </p:extLst>
+  </p:cSld>
+  <p:clrMapOvr>
+    <a:masterClrMapping/>
+  </p:clrMapOvr>
+</p:sld>
+</file>
+
+<file path=ppt/slides/slide11.xml><?xml version="1.0" encoding="utf-8"?>
+<p:sld xmlns:a="http://schemas.openxmlformats.org/drawingml/2006/main" xmlns:r="http://schemas.openxmlformats.org/officeDocument/2006/relationships" xmlns:p="http://schemas.openxmlformats.org/presentationml/2006/main">
+  <p:cSld>
+    <p:spTree>
+      <p:nvGrpSpPr>
+        <p:cNvPr id="1" name=""/>
+        <p:cNvGrpSpPr/>
+        <p:nvPr/>
+      </p:nvGrpSpPr>
+      <p:grpSpPr>
+        <a:xfrm>
+          <a:off x="0" y="0"/>
+          <a:ext cx="0" cy="0"/>
+          <a:chOff x="0" y="0"/>
+          <a:chExt cx="0" cy="0"/>
+        </a:xfrm>
+      </p:grpSpPr>
+      <p:sp>
+        <p:nvSpPr>
+          <p:cNvPr id="3" name="文本框 2">
+            <a:extLst>
+              <a:ext uri="{FF2B5EF4-FFF2-40B4-BE49-F238E27FC236}">
+                <a16:creationId xmlns:a16="http://schemas.microsoft.com/office/drawing/2014/main" id="{DEC44691-3886-4503-9BBA-F5416DAF4822}"/>
+              </a:ext>
+            </a:extLst>
+          </p:cNvPr>
+          <p:cNvSpPr txBox="1"/>
+          <p:nvPr/>
+        </p:nvSpPr>
+        <p:spPr>
+          <a:xfrm>
+            <a:off x="336289" y="107435"/>
+            <a:ext cx="6196591" cy="707886"/>
+          </a:xfrm>
+          <a:prstGeom prst="rect">
+            <a:avLst/>
+          </a:prstGeom>
+          <a:noFill/>
+        </p:spPr>
+        <p:txBody>
+          <a:bodyPr wrap="square" rtlCol="0">
+            <a:spAutoFit/>
+          </a:bodyPr>
+          <a:lstStyle/>
+          <a:p>
+            <a:r>
+              <a:rPr kumimoji="1" lang="en-US" altLang="zh-CN" sz="4000" b="1">
+                <a:solidFill>
+                  <a:schemeClr val="accent1">
+                    <a:lumMod val="50000"/>
+                  </a:schemeClr>
+                </a:solidFill>
+                <a:latin typeface="微软雅黑" panose="020B0503020204020204" pitchFamily="34" charset="-122"/>
+                <a:ea typeface="微软雅黑" panose="020B0503020204020204" pitchFamily="34" charset="-122"/>
+                <a:cs typeface="Times New Roman" panose="02020603050405020304" pitchFamily="18" charset="0"/>
+              </a:rPr>
+              <a:t>Aster</a:t>
+            </a:r>
+            <a:r>
+              <a:rPr kumimoji="1" lang="zh-CN" altLang="en-US" sz="4000" b="1">
+                <a:solidFill>
+                  <a:schemeClr val="accent1">
+                    <a:lumMod val="50000"/>
+                  </a:schemeClr>
+                </a:solidFill>
+                <a:latin typeface="微软雅黑" panose="020B0503020204020204" pitchFamily="34" charset="-122"/>
+                <a:ea typeface="微软雅黑" panose="020B0503020204020204" pitchFamily="34" charset="-122"/>
+                <a:cs typeface="Times New Roman" panose="02020603050405020304" pitchFamily="18" charset="0"/>
+              </a:rPr>
+              <a:t>方法主要步骤</a:t>
+            </a:r>
+          </a:p>
+        </p:txBody>
+      </p:sp>
+      <mc:AlternateContent xmlns:mc="http://schemas.openxmlformats.org/markup-compatibility/2006" xmlns:a14="http://schemas.microsoft.com/office/drawing/2010/main">
+        <mc:Choice Requires="a14">
+          <p:sp>
+            <p:nvSpPr>
+              <p:cNvPr id="5" name="文本框 4">
+                <a:extLst>
+                  <a:ext uri="{FF2B5EF4-FFF2-40B4-BE49-F238E27FC236}">
+                    <a16:creationId xmlns:a16="http://schemas.microsoft.com/office/drawing/2014/main" id="{BBB31A77-84B0-4109-B54A-5C560F14D854}"/>
+                  </a:ext>
+                </a:extLst>
+              </p:cNvPr>
+              <p:cNvSpPr txBox="1"/>
+              <p:nvPr/>
+            </p:nvSpPr>
+            <p:spPr>
+              <a:xfrm>
+                <a:off x="496530" y="1088369"/>
+                <a:ext cx="11198940" cy="2510944"/>
+              </a:xfrm>
+              <a:prstGeom prst="rect">
+                <a:avLst/>
+              </a:prstGeom>
+              <a:noFill/>
+            </p:spPr>
+            <p:txBody>
+              <a:bodyPr wrap="square">
+                <a:spAutoFit/>
+              </a:bodyPr>
+              <a:lstStyle/>
+              <a:p>
+                <a:pPr marL="457200" indent="-457200">
+                  <a:lnSpc>
+                    <a:spcPct val="114000"/>
+                  </a:lnSpc>
+                  <a:buFont typeface="Wingdings" panose="05000000000000000000" pitchFamily="2" charset="2"/>
+                  <a:buChar char="Ø"/>
+                </a:pPr>
+                <a:r>
+                  <a:rPr lang="zh-CN" altLang="en-US" sz="2800">
+                    <a:solidFill>
+                      <a:srgbClr val="C00000"/>
+                    </a:solidFill>
+                    <a:latin typeface="华文中宋" panose="02010600040101010101" pitchFamily="2" charset="-122"/>
+                    <a:ea typeface="华文中宋" panose="02010600040101010101" pitchFamily="2" charset="-122"/>
+                    <a:cs typeface="Times New Roman" panose="02020603050405020304" pitchFamily="18" charset="0"/>
+                  </a:rPr>
+                  <a:t>②成员推理：</a:t>
+                </a:r>
+                <a:endParaRPr lang="en-US" altLang="zh-CN" sz="2800">
+                  <a:solidFill>
+                    <a:srgbClr val="C00000"/>
+                  </a:solidFill>
+                  <a:latin typeface="华文中宋" panose="02010600040101010101" pitchFamily="2" charset="-122"/>
+                  <a:ea typeface="华文中宋" panose="02010600040101010101" pitchFamily="2" charset="-122"/>
+                  <a:cs typeface="Times New Roman" panose="02020603050405020304" pitchFamily="18" charset="0"/>
+                </a:endParaRPr>
+              </a:p>
+              <a:p>
+                <a:pPr marL="457200" indent="-457200">
+                  <a:lnSpc>
+                    <a:spcPct val="114000"/>
+                  </a:lnSpc>
+                  <a:buFont typeface="Wingdings" panose="05000000000000000000" pitchFamily="2" charset="2"/>
+                  <a:buChar char="Ø"/>
+                </a:pPr>
+                <a:endParaRPr lang="en-US" altLang="zh-CN" sz="2800">
+                  <a:solidFill>
+                    <a:srgbClr val="C00000"/>
+                  </a:solidFill>
+                  <a:latin typeface="华文中宋" panose="02010600040101010101" pitchFamily="2" charset="-122"/>
+                  <a:ea typeface="华文中宋" panose="02010600040101010101" pitchFamily="2" charset="-122"/>
+                  <a:cs typeface="Times New Roman" panose="02020603050405020304" pitchFamily="18" charset="0"/>
+                </a:endParaRPr>
+              </a:p>
+              <a:p>
+                <a:pPr>
+                  <a:lnSpc>
+                    <a:spcPct val="114000"/>
+                  </a:lnSpc>
+                </a:pPr>
+                <a:r>
+                  <a:rPr lang="zh-CN" altLang="en-US" sz="2800">
+                    <a:latin typeface="华文中宋" panose="02010600040101010101" pitchFamily="2" charset="-122"/>
+                    <a:ea typeface="华文中宋" panose="02010600040101010101" pitchFamily="2" charset="-122"/>
+                    <a:cs typeface="Times New Roman" panose="02020603050405020304" pitchFamily="18" charset="0"/>
+                  </a:rPr>
+                  <a:t>    利用无监督聚类方法将一组目标记录分组为</a:t>
+                </a:r>
+                <a:r>
+                  <a:rPr lang="en-US" altLang="zh-CN" sz="2800">
+                    <a:latin typeface="华文中宋" panose="02010600040101010101" pitchFamily="2" charset="-122"/>
+                    <a:ea typeface="华文中宋" panose="02010600040101010101" pitchFamily="2" charset="-122"/>
+                    <a:cs typeface="Times New Roman" panose="02020603050405020304" pitchFamily="18" charset="0"/>
+                  </a:rPr>
+                  <a:t>2</a:t>
+                </a:r>
+                <a:r>
+                  <a:rPr lang="zh-CN" altLang="en-US" sz="2800">
+                    <a:latin typeface="华文中宋" panose="02010600040101010101" pitchFamily="2" charset="-122"/>
+                    <a:ea typeface="华文中宋" panose="02010600040101010101" pitchFamily="2" charset="-122"/>
+                    <a:cs typeface="Times New Roman" panose="02020603050405020304" pitchFamily="18" charset="0"/>
+                  </a:rPr>
+                  <a:t>个聚类，然后确定平均  </a:t>
+                </a:r>
+                <a:endParaRPr lang="en-US" altLang="zh-CN" sz="2800">
+                  <a:latin typeface="华文中宋" panose="02010600040101010101" pitchFamily="2" charset="-122"/>
+                  <a:ea typeface="华文中宋" panose="02010600040101010101" pitchFamily="2" charset="-122"/>
+                  <a:cs typeface="Times New Roman" panose="02020603050405020304" pitchFamily="18" charset="0"/>
+                </a:endParaRPr>
+              </a:p>
+              <a:p>
+                <a:pPr>
+                  <a:lnSpc>
+                    <a:spcPct val="114000"/>
+                  </a:lnSpc>
+                </a:pPr>
+                <a:r>
+                  <a:rPr lang="en-US" altLang="zh-CN" sz="2800">
+                    <a:latin typeface="华文中宋" panose="02010600040101010101" pitchFamily="2" charset="-122"/>
+                    <a:ea typeface="华文中宋" panose="02010600040101010101" pitchFamily="2" charset="-122"/>
+                    <a:cs typeface="Times New Roman" panose="02020603050405020304" pitchFamily="18" charset="0"/>
+                  </a:rPr>
+                  <a:t>    </a:t>
+                </a:r>
+                <a:r>
+                  <a:rPr lang="zh-CN" altLang="en-US" sz="2800">
+                    <a:latin typeface="华文中宋" panose="02010600040101010101" pitchFamily="2" charset="-122"/>
+                    <a:ea typeface="华文中宋" panose="02010600040101010101" pitchFamily="2" charset="-122"/>
+                    <a:cs typeface="Times New Roman" panose="02020603050405020304" pitchFamily="18" charset="0"/>
+                  </a:rPr>
+                  <a:t>灵敏度较低的聚类作为</a:t>
+                </a:r>
+                <a14:m>
+                  <m:oMath xmlns:m="http://schemas.openxmlformats.org/officeDocument/2006/math">
+                    <m:r>
+                      <a:rPr lang="en-US" altLang="zh-CN" sz="2800" i="1" smtClean="0">
+                        <a:latin typeface="Cambria Math" panose="02040503050406030204" pitchFamily="18" charset="0"/>
+                        <a:ea typeface="华文中宋" panose="02010600040101010101" pitchFamily="2" charset="-122"/>
+                        <a:cs typeface="Times New Roman" panose="02020603050405020304" pitchFamily="18" charset="0"/>
+                      </a:rPr>
+                      <m:t>𝑀</m:t>
+                    </m:r>
+                  </m:oMath>
+                </a14:m>
+                <a:r>
+                  <a:rPr lang="zh-CN" altLang="en-US" sz="2800">
+                    <a:latin typeface="华文中宋" panose="02010600040101010101" pitchFamily="2" charset="-122"/>
+                    <a:ea typeface="华文中宋" panose="02010600040101010101" pitchFamily="2" charset="-122"/>
+                    <a:cs typeface="Times New Roman" panose="02020603050405020304" pitchFamily="18" charset="0"/>
+                  </a:rPr>
+                  <a:t>的训练集的成员。（当要对多个样本进行</a:t>
+                </a:r>
+                <a:endParaRPr lang="en-US" altLang="zh-CN" sz="2800">
+                  <a:latin typeface="华文中宋" panose="02010600040101010101" pitchFamily="2" charset="-122"/>
+                  <a:ea typeface="华文中宋" panose="02010600040101010101" pitchFamily="2" charset="-122"/>
+                  <a:cs typeface="Times New Roman" panose="02020603050405020304" pitchFamily="18" charset="0"/>
+                </a:endParaRPr>
+              </a:p>
+              <a:p>
+                <a:pPr>
+                  <a:lnSpc>
+                    <a:spcPct val="114000"/>
+                  </a:lnSpc>
+                </a:pPr>
+                <a:r>
+                  <a:rPr lang="en-US" altLang="zh-CN" sz="2800">
+                    <a:latin typeface="华文中宋" panose="02010600040101010101" pitchFamily="2" charset="-122"/>
+                    <a:ea typeface="华文中宋" panose="02010600040101010101" pitchFamily="2" charset="-122"/>
+                    <a:cs typeface="Times New Roman" panose="02020603050405020304" pitchFamily="18" charset="0"/>
+                  </a:rPr>
+                  <a:t>    </a:t>
+                </a:r>
+                <a:r>
+                  <a:rPr lang="zh-CN" altLang="en-US" sz="2800">
+                    <a:latin typeface="华文中宋" panose="02010600040101010101" pitchFamily="2" charset="-122"/>
+                    <a:ea typeface="华文中宋" panose="02010600040101010101" pitchFamily="2" charset="-122"/>
+                    <a:cs typeface="Times New Roman" panose="02020603050405020304" pitchFamily="18" charset="0"/>
+                  </a:rPr>
+                  <a:t>推理时）    </a:t>
+                </a:r>
+                <a:endParaRPr lang="en-US" altLang="zh-CN" sz="2800">
+                  <a:latin typeface="华文中宋" panose="02010600040101010101" pitchFamily="2" charset="-122"/>
+                  <a:ea typeface="华文中宋" panose="02010600040101010101" pitchFamily="2" charset="-122"/>
+                  <a:cs typeface="Times New Roman" panose="02020603050405020304" pitchFamily="18" charset="0"/>
+                </a:endParaRPr>
+              </a:p>
+            </p:txBody>
+          </p:sp>
+        </mc:Choice>
+        <mc:Fallback xmlns="">
+          <p:sp>
+            <p:nvSpPr>
+              <p:cNvPr id="5" name="文本框 4">
+                <a:extLst>
+                  <a:ext uri="{FF2B5EF4-FFF2-40B4-BE49-F238E27FC236}">
+                    <a16:creationId xmlns:a16="http://schemas.microsoft.com/office/drawing/2014/main" id="{BBB31A77-84B0-4109-B54A-5C560F14D854}"/>
+                  </a:ext>
+                </a:extLst>
+              </p:cNvPr>
+              <p:cNvSpPr txBox="1">
+                <a:spLocks noRot="1" noChangeAspect="1" noMove="1" noResize="1" noEditPoints="1" noAdjustHandles="1" noChangeArrowheads="1" noChangeShapeType="1" noTextEdit="1"/>
+              </p:cNvSpPr>
+              <p:nvPr/>
+            </p:nvSpPr>
+            <p:spPr>
+              <a:xfrm>
+                <a:off x="496530" y="1088369"/>
+                <a:ext cx="11198940" cy="2510944"/>
+              </a:xfrm>
+              <a:prstGeom prst="rect">
+                <a:avLst/>
+              </a:prstGeom>
+              <a:blipFill>
+                <a:blip r:embed="rId3"/>
+                <a:stretch>
+                  <a:fillRect l="-925" t="-1703" r="-598" b="-6083"/>
+                </a:stretch>
+              </a:blipFill>
+            </p:spPr>
+            <p:txBody>
+              <a:bodyPr/>
+              <a:lstStyle/>
+              <a:p>
+                <a:r>
+                  <a:rPr lang="zh-CN" altLang="en-US">
+                    <a:noFill/>
+                  </a:rPr>
+                  <a:t> </a:t>
+                </a:r>
+              </a:p>
+            </p:txBody>
+          </p:sp>
+        </mc:Fallback>
+      </mc:AlternateContent>
+      <p:cxnSp>
+        <p:nvCxnSpPr>
+          <p:cNvPr id="10" name="直接连接符 9">
+            <a:extLst>
+              <a:ext uri="{FF2B5EF4-FFF2-40B4-BE49-F238E27FC236}">
+                <a16:creationId xmlns:a16="http://schemas.microsoft.com/office/drawing/2014/main" id="{B4FE4F6A-540B-4003-A935-887F5A120DCC}"/>
+              </a:ext>
+            </a:extLst>
+          </p:cNvPr>
+          <p:cNvCxnSpPr/>
+          <p:nvPr/>
+        </p:nvCxnSpPr>
+        <p:spPr>
+          <a:xfrm>
+            <a:off x="0" y="906761"/>
+            <a:ext cx="12192000" cy="0"/>
+          </a:xfrm>
+          <a:prstGeom prst="line">
+            <a:avLst/>
+          </a:prstGeom>
+          <a:ln w="19050">
+            <a:solidFill>
+              <a:srgbClr val="203864"/>
+            </a:solidFill>
+          </a:ln>
+        </p:spPr>
+        <p:style>
+          <a:lnRef idx="1">
+            <a:schemeClr val="accent1"/>
+          </a:lnRef>
+          <a:fillRef idx="0">
+            <a:schemeClr val="accent1"/>
+          </a:fillRef>
+          <a:effectRef idx="0">
+            <a:schemeClr val="accent1"/>
+          </a:effectRef>
+          <a:fontRef idx="minor">
+            <a:schemeClr val="tx1"/>
+          </a:fontRef>
+        </p:style>
+      </p:cxnSp>
+      <p:sp>
+        <p:nvSpPr>
+          <p:cNvPr id="9" name="文本框 8">
+            <a:extLst>
+              <a:ext uri="{FF2B5EF4-FFF2-40B4-BE49-F238E27FC236}">
+                <a16:creationId xmlns:a16="http://schemas.microsoft.com/office/drawing/2014/main" id="{B67210FE-A797-442A-B719-29D376C349D6}"/>
+              </a:ext>
+            </a:extLst>
+          </p:cNvPr>
+          <p:cNvSpPr txBox="1"/>
+          <p:nvPr/>
+        </p:nvSpPr>
+        <p:spPr>
+          <a:xfrm>
+            <a:off x="967740" y="3911599"/>
+            <a:ext cx="10727730" cy="2019720"/>
+          </a:xfrm>
+          <a:prstGeom prst="rect">
+            <a:avLst/>
+          </a:prstGeom>
+          <a:noFill/>
+        </p:spPr>
+        <p:txBody>
+          <a:bodyPr wrap="square">
+            <a:spAutoFit/>
+          </a:bodyPr>
+          <a:lstStyle/>
+          <a:p>
+            <a:pPr algn="just">
+              <a:lnSpc>
+                <a:spcPct val="114000"/>
+              </a:lnSpc>
+              <a:spcAft>
+                <a:spcPts val="2400"/>
+              </a:spcAft>
+            </a:pPr>
+            <a:r>
+              <a:rPr lang="zh-CN" altLang="en-US" sz="2800">
+                <a:solidFill>
+                  <a:srgbClr val="0070C0"/>
+                </a:solidFill>
+                <a:latin typeface="华文中宋" panose="02010600040101010101" pitchFamily="2" charset="-122"/>
+                <a:ea typeface="华文中宋" panose="02010600040101010101" pitchFamily="2" charset="-122"/>
+                <a:cs typeface="Times New Roman" panose="02020603050405020304" pitchFamily="18" charset="0"/>
+              </a:rPr>
+              <a:t>对聚类方法和簇数的选择：</a:t>
+            </a:r>
+            <a:r>
+              <a:rPr lang="zh-CN" altLang="en-US" sz="2800">
+                <a:latin typeface="华文中宋" panose="02010600040101010101" pitchFamily="2" charset="-122"/>
+                <a:ea typeface="华文中宋" panose="02010600040101010101" pitchFamily="2" charset="-122"/>
+                <a:cs typeface="Times New Roman" panose="02020603050405020304" pitchFamily="18" charset="0"/>
+              </a:rPr>
+              <a:t>用</a:t>
+            </a:r>
+            <a:r>
+              <a:rPr lang="en-US" altLang="zh-CN" sz="2800">
+                <a:latin typeface="华文中宋" panose="02010600040101010101" pitchFamily="2" charset="-122"/>
+                <a:ea typeface="华文中宋" panose="02010600040101010101" pitchFamily="2" charset="-122"/>
+                <a:cs typeface="Times New Roman" panose="02020603050405020304" pitchFamily="18" charset="0"/>
+              </a:rPr>
+              <a:t>K-Means, Spectral Clustering</a:t>
+            </a:r>
+            <a:r>
+              <a:rPr lang="zh-CN" altLang="en-US" sz="2800">
+                <a:latin typeface="华文中宋" panose="02010600040101010101" pitchFamily="2" charset="-122"/>
+                <a:ea typeface="华文中宋" panose="02010600040101010101" pitchFamily="2" charset="-122"/>
+                <a:cs typeface="Times New Roman" panose="02020603050405020304" pitchFamily="18" charset="0"/>
+              </a:rPr>
+              <a:t>和</a:t>
+            </a:r>
+            <a:r>
+              <a:rPr lang="en-US" altLang="zh-CN" sz="2800">
+                <a:latin typeface="华文中宋" panose="02010600040101010101" pitchFamily="2" charset="-122"/>
+                <a:ea typeface="华文中宋" panose="02010600040101010101" pitchFamily="2" charset="-122"/>
+                <a:cs typeface="Times New Roman" panose="02020603050405020304" pitchFamily="18" charset="0"/>
+              </a:rPr>
+              <a:t> DB-SCAN</a:t>
+            </a:r>
+            <a:r>
+              <a:rPr lang="zh-CN" altLang="en-US" sz="2800">
+                <a:latin typeface="华文中宋" panose="02010600040101010101" pitchFamily="2" charset="-122"/>
+                <a:ea typeface="华文中宋" panose="02010600040101010101" pitchFamily="2" charset="-122"/>
+                <a:cs typeface="Times New Roman" panose="02020603050405020304" pitchFamily="18" charset="0"/>
+              </a:rPr>
+              <a:t>做了实验。</a:t>
+            </a:r>
+            <a:r>
+              <a:rPr lang="en-US" altLang="zh-CN" sz="2800">
+                <a:solidFill>
+                  <a:srgbClr val="C00000"/>
+                </a:solidFill>
+                <a:latin typeface="华文中宋" panose="02010600040101010101" pitchFamily="2" charset="-122"/>
+                <a:ea typeface="华文中宋" panose="02010600040101010101" pitchFamily="2" charset="-122"/>
+                <a:cs typeface="Times New Roman" panose="02020603050405020304" pitchFamily="18" charset="0"/>
+              </a:rPr>
+              <a:t>Spectral Clustering</a:t>
+            </a:r>
+            <a:r>
+              <a:rPr lang="zh-CN" altLang="en-US" sz="2800">
+                <a:solidFill>
+                  <a:srgbClr val="C00000"/>
+                </a:solidFill>
+                <a:latin typeface="华文中宋" panose="02010600040101010101" pitchFamily="2" charset="-122"/>
+                <a:ea typeface="华文中宋" panose="02010600040101010101" pitchFamily="2" charset="-122"/>
+                <a:cs typeface="Times New Roman" panose="02020603050405020304" pitchFamily="18" charset="0"/>
+              </a:rPr>
+              <a:t>（谱聚类算法）</a:t>
+            </a:r>
+            <a:r>
+              <a:rPr lang="zh-CN" altLang="en-US" sz="2800">
+                <a:latin typeface="华文中宋" panose="02010600040101010101" pitchFamily="2" charset="-122"/>
+                <a:ea typeface="华文中宋" panose="02010600040101010101" pitchFamily="2" charset="-122"/>
+                <a:cs typeface="Times New Roman" panose="02020603050405020304" pitchFamily="18" charset="0"/>
+              </a:rPr>
+              <a:t>获得了最佳性能。根据实验所用模型在不同簇数下的平均性能，</a:t>
+            </a:r>
+            <a:r>
+              <a:rPr lang="zh-CN" altLang="en-US" sz="2800">
+                <a:solidFill>
+                  <a:srgbClr val="C00000"/>
+                </a:solidFill>
+                <a:latin typeface="华文中宋" panose="02010600040101010101" pitchFamily="2" charset="-122"/>
+                <a:ea typeface="华文中宋" panose="02010600040101010101" pitchFamily="2" charset="-122"/>
+                <a:cs typeface="Times New Roman" panose="02020603050405020304" pitchFamily="18" charset="0"/>
+              </a:rPr>
+              <a:t>簇数选择为</a:t>
+            </a:r>
+            <a:r>
+              <a:rPr lang="en-US" altLang="zh-CN" sz="2800">
+                <a:solidFill>
+                  <a:srgbClr val="C00000"/>
+                </a:solidFill>
+                <a:latin typeface="华文中宋" panose="02010600040101010101" pitchFamily="2" charset="-122"/>
+                <a:ea typeface="华文中宋" panose="02010600040101010101" pitchFamily="2" charset="-122"/>
+                <a:cs typeface="Times New Roman" panose="02020603050405020304" pitchFamily="18" charset="0"/>
+              </a:rPr>
+              <a:t>6</a:t>
+            </a:r>
+            <a:r>
+              <a:rPr lang="zh-CN" altLang="en-US" sz="2800">
+                <a:latin typeface="华文中宋" panose="02010600040101010101" pitchFamily="2" charset="-122"/>
+                <a:ea typeface="华文中宋" panose="02010600040101010101" pitchFamily="2" charset="-122"/>
+                <a:cs typeface="Times New Roman" panose="02020603050405020304" pitchFamily="18" charset="0"/>
+              </a:rPr>
+              <a:t>。</a:t>
+            </a:r>
+            <a:endParaRPr lang="en-US" altLang="zh-CN" sz="2800">
+              <a:latin typeface="华文中宋" panose="02010600040101010101" pitchFamily="2" charset="-122"/>
+              <a:ea typeface="华文中宋" panose="02010600040101010101" pitchFamily="2" charset="-122"/>
+              <a:cs typeface="Times New Roman" panose="02020603050405020304" pitchFamily="18" charset="0"/>
+            </a:endParaRPr>
+          </a:p>
+        </p:txBody>
+      </p:sp>
+    </p:spTree>
+    <p:extLst>
+      <p:ext uri="{BB962C8B-B14F-4D97-AF65-F5344CB8AC3E}">
+        <p14:creationId xmlns:p14="http://schemas.microsoft.com/office/powerpoint/2010/main" val="751094159"/>
+      </p:ext>
+    </p:extLst>
+  </p:cSld>
+  <p:clrMapOvr>
+    <a:masterClrMapping/>
+  </p:clrMapOvr>
+</p:sld>
+</file>
+
+<file path=ppt/slides/slide12.xml><?xml version="1.0" encoding="utf-8"?>
+<p:sld xmlns:a="http://schemas.openxmlformats.org/drawingml/2006/main" xmlns:r="http://schemas.openxmlformats.org/officeDocument/2006/relationships" xmlns:p="http://schemas.openxmlformats.org/presentationml/2006/main">
+  <p:cSld>
+    <p:spTree>
+      <p:nvGrpSpPr>
+        <p:cNvPr id="1" name=""/>
+        <p:cNvGrpSpPr/>
+        <p:nvPr/>
+      </p:nvGrpSpPr>
+      <p:grpSpPr>
+        <a:xfrm>
+          <a:off x="0" y="0"/>
+          <a:ext cx="0" cy="0"/>
+          <a:chOff x="0" y="0"/>
+          <a:chExt cx="0" cy="0"/>
+        </a:xfrm>
+      </p:grpSpPr>
+      <p:sp>
+        <p:nvSpPr>
+          <p:cNvPr id="3" name="文本框 2">
+            <a:extLst>
+              <a:ext uri="{FF2B5EF4-FFF2-40B4-BE49-F238E27FC236}">
+                <a16:creationId xmlns:a16="http://schemas.microsoft.com/office/drawing/2014/main" id="{DEC44691-3886-4503-9BBA-F5416DAF4822}"/>
+              </a:ext>
+            </a:extLst>
+          </p:cNvPr>
+          <p:cNvSpPr txBox="1"/>
+          <p:nvPr/>
+        </p:nvSpPr>
+        <p:spPr>
+          <a:xfrm>
+            <a:off x="336289" y="107435"/>
+            <a:ext cx="6196591" cy="707886"/>
+          </a:xfrm>
+          <a:prstGeom prst="rect">
+            <a:avLst/>
+          </a:prstGeom>
+          <a:noFill/>
+        </p:spPr>
+        <p:txBody>
+          <a:bodyPr wrap="square" rtlCol="0">
+            <a:spAutoFit/>
+          </a:bodyPr>
+          <a:lstStyle/>
+          <a:p>
+            <a:r>
+              <a:rPr kumimoji="1" lang="en-US" altLang="zh-CN" sz="4000" b="1">
+                <a:solidFill>
+                  <a:schemeClr val="accent1">
+                    <a:lumMod val="50000"/>
+                  </a:schemeClr>
+                </a:solidFill>
+                <a:latin typeface="微软雅黑" panose="020B0503020204020204" pitchFamily="34" charset="-122"/>
+                <a:ea typeface="微软雅黑" panose="020B0503020204020204" pitchFamily="34" charset="-122"/>
+                <a:cs typeface="Times New Roman" panose="02020603050405020304" pitchFamily="18" charset="0"/>
+              </a:rPr>
+              <a:t>Aster</a:t>
+            </a:r>
+            <a:r>
+              <a:rPr kumimoji="1" lang="zh-CN" altLang="en-US" sz="4000" b="1">
+                <a:solidFill>
+                  <a:schemeClr val="accent1">
+                    <a:lumMod val="50000"/>
+                  </a:schemeClr>
+                </a:solidFill>
+                <a:latin typeface="微软雅黑" panose="020B0503020204020204" pitchFamily="34" charset="-122"/>
+                <a:ea typeface="微软雅黑" panose="020B0503020204020204" pitchFamily="34" charset="-122"/>
+                <a:cs typeface="Times New Roman" panose="02020603050405020304" pitchFamily="18" charset="0"/>
+              </a:rPr>
+              <a:t>方法主要步骤</a:t>
+            </a:r>
+          </a:p>
+        </p:txBody>
+      </p:sp>
+      <p:sp>
+        <p:nvSpPr>
+          <p:cNvPr id="5" name="文本框 4">
+            <a:extLst>
+              <a:ext uri="{FF2B5EF4-FFF2-40B4-BE49-F238E27FC236}">
+                <a16:creationId xmlns:a16="http://schemas.microsoft.com/office/drawing/2014/main" id="{BBB31A77-84B0-4109-B54A-5C560F14D854}"/>
+              </a:ext>
+            </a:extLst>
+          </p:cNvPr>
+          <p:cNvSpPr txBox="1"/>
+          <p:nvPr/>
+        </p:nvSpPr>
+        <p:spPr>
+          <a:xfrm>
+            <a:off x="496530" y="1088369"/>
+            <a:ext cx="11198940" cy="546047"/>
+          </a:xfrm>
+          <a:prstGeom prst="rect">
+            <a:avLst/>
+          </a:prstGeom>
+          <a:noFill/>
+        </p:spPr>
+        <p:txBody>
+          <a:bodyPr wrap="square">
+            <a:spAutoFit/>
+          </a:bodyPr>
+          <a:lstStyle/>
+          <a:p>
+            <a:pPr marL="457200" indent="-457200">
+              <a:lnSpc>
+                <a:spcPct val="114000"/>
+              </a:lnSpc>
+              <a:buFont typeface="Wingdings" panose="05000000000000000000" pitchFamily="2" charset="2"/>
+              <a:buChar char="Ø"/>
+            </a:pPr>
+            <a:r>
+              <a:rPr lang="zh-CN" altLang="en-US" sz="2800">
+                <a:solidFill>
+                  <a:srgbClr val="C00000"/>
+                </a:solidFill>
+                <a:latin typeface="华文中宋" panose="02010600040101010101" pitchFamily="2" charset="-122"/>
+                <a:ea typeface="华文中宋" panose="02010600040101010101" pitchFamily="2" charset="-122"/>
+                <a:cs typeface="Times New Roman" panose="02020603050405020304" pitchFamily="18" charset="0"/>
+              </a:rPr>
+              <a:t>②成员推理：</a:t>
+            </a:r>
+            <a:endParaRPr lang="en-US" altLang="zh-CN" sz="2800">
+              <a:solidFill>
+                <a:srgbClr val="C00000"/>
+              </a:solidFill>
+              <a:latin typeface="华文中宋" panose="02010600040101010101" pitchFamily="2" charset="-122"/>
+              <a:ea typeface="华文中宋" panose="02010600040101010101" pitchFamily="2" charset="-122"/>
+              <a:cs typeface="Times New Roman" panose="02020603050405020304" pitchFamily="18" charset="0"/>
+            </a:endParaRPr>
+          </a:p>
+        </p:txBody>
+      </p:sp>
+      <p:cxnSp>
+        <p:nvCxnSpPr>
+          <p:cNvPr id="10" name="直接连接符 9">
+            <a:extLst>
+              <a:ext uri="{FF2B5EF4-FFF2-40B4-BE49-F238E27FC236}">
+                <a16:creationId xmlns:a16="http://schemas.microsoft.com/office/drawing/2014/main" id="{B4FE4F6A-540B-4003-A935-887F5A120DCC}"/>
+              </a:ext>
+            </a:extLst>
+          </p:cNvPr>
+          <p:cNvCxnSpPr/>
+          <p:nvPr/>
+        </p:nvCxnSpPr>
+        <p:spPr>
+          <a:xfrm>
+            <a:off x="0" y="906761"/>
+            <a:ext cx="12192000" cy="0"/>
+          </a:xfrm>
+          <a:prstGeom prst="line">
+            <a:avLst/>
+          </a:prstGeom>
+          <a:ln w="19050">
+            <a:solidFill>
+              <a:srgbClr val="203864"/>
+            </a:solidFill>
+          </a:ln>
+        </p:spPr>
+        <p:style>
+          <a:lnRef idx="1">
+            <a:schemeClr val="accent1"/>
+          </a:lnRef>
+          <a:fillRef idx="0">
+            <a:schemeClr val="accent1"/>
+          </a:fillRef>
+          <a:effectRef idx="0">
+            <a:schemeClr val="accent1"/>
+          </a:effectRef>
+          <a:fontRef idx="minor">
+            <a:schemeClr val="tx1"/>
+          </a:fontRef>
+        </p:style>
+      </p:cxnSp>
+      <mc:AlternateContent xmlns:mc="http://schemas.openxmlformats.org/markup-compatibility/2006" xmlns:a14="http://schemas.microsoft.com/office/drawing/2010/main">
+        <mc:Choice Requires="a14">
           <p:sp>
             <p:nvSpPr>
               <p:cNvPr id="9" name="文本框 8">
@@ -8594,7 +9439,7 @@
             </p:txBody>
           </p:sp>
         </mc:Choice>
-        <mc:Fallback>
+        <mc:Fallback xmlns="">
           <p:sp>
             <p:nvSpPr>
               <p:cNvPr id="9" name="文本框 8">
@@ -8762,7 +9607,7 @@
 </p:sld>
 </file>
 
-<file path=ppt/slides/slide11.xml><?xml version="1.0" encoding="utf-8"?>
+<file path=ppt/slides/slide13.xml><?xml version="1.0" encoding="utf-8"?>
 <p:sld xmlns:a="http://schemas.openxmlformats.org/drawingml/2006/main" xmlns:r="http://schemas.openxmlformats.org/officeDocument/2006/relationships" xmlns:p="http://schemas.openxmlformats.org/presentationml/2006/main">
   <p:cSld>
     <p:spTree>
@@ -9129,7 +9974,7 @@
 </p:sld>
 </file>
 
-<file path=ppt/slides/slide12.xml><?xml version="1.0" encoding="utf-8"?>
+<file path=ppt/slides/slide14.xml><?xml version="1.0" encoding="utf-8"?>
 <p:sld xmlns:a="http://schemas.openxmlformats.org/drawingml/2006/main" xmlns:r="http://schemas.openxmlformats.org/officeDocument/2006/relationships" xmlns:p="http://schemas.openxmlformats.org/presentationml/2006/main">
   <p:cSld>
     <p:spTree>
@@ -9758,7 +10603,7 @@
 </p:sld>
 </file>
 
-<file path=ppt/slides/slide13.xml><?xml version="1.0" encoding="utf-8"?>
+<file path=ppt/slides/slide15.xml><?xml version="1.0" encoding="utf-8"?>
 <p:sld xmlns:a="http://schemas.openxmlformats.org/drawingml/2006/main" xmlns:r="http://schemas.openxmlformats.org/officeDocument/2006/relationships" xmlns:p="http://schemas.openxmlformats.org/presentationml/2006/main">
   <p:cSld>
     <p:spTree>
@@ -10390,7 +11235,7 @@
 </p:sld>
 </file>
 
-<file path=ppt/slides/slide14.xml><?xml version="1.0" encoding="utf-8"?>
+<file path=ppt/slides/slide16.xml><?xml version="1.0" encoding="utf-8"?>
 <p:sld xmlns:a="http://schemas.openxmlformats.org/drawingml/2006/main" xmlns:r="http://schemas.openxmlformats.org/officeDocument/2006/relationships" xmlns:p="http://schemas.openxmlformats.org/presentationml/2006/main">
   <p:cSld>
     <p:spTree>
@@ -10827,7 +11672,7 @@
 </p:sld>
 </file>
 
-<file path=ppt/slides/slide15.xml><?xml version="1.0" encoding="utf-8"?>
+<file path=ppt/slides/slide17.xml><?xml version="1.0" encoding="utf-8"?>
 <p:sld xmlns:a="http://schemas.openxmlformats.org/drawingml/2006/main" xmlns:r="http://schemas.openxmlformats.org/officeDocument/2006/relationships" xmlns:p="http://schemas.openxmlformats.org/presentationml/2006/main">
   <p:cSld>
     <p:spTree>
@@ -12166,7 +13011,7 @@
 </p:sld>
 </file>
 
-<file path=ppt/slides/slide16.xml><?xml version="1.0" encoding="utf-8"?>
+<file path=ppt/slides/slide18.xml><?xml version="1.0" encoding="utf-8"?>
 <p:sld xmlns:a="http://schemas.openxmlformats.org/drawingml/2006/main" xmlns:r="http://schemas.openxmlformats.org/officeDocument/2006/relationships" xmlns:p="http://schemas.openxmlformats.org/presentationml/2006/main">
   <p:cSld>
     <p:spTree>
@@ -12403,7 +13248,7 @@
 </p:sld>
 </file>
 
-<file path=ppt/slides/slide17.xml><?xml version="1.0" encoding="utf-8"?>
+<file path=ppt/slides/slide19.xml><?xml version="1.0" encoding="utf-8"?>
 <p:sld xmlns:a="http://schemas.openxmlformats.org/drawingml/2006/main" xmlns:r="http://schemas.openxmlformats.org/officeDocument/2006/relationships" xmlns:p="http://schemas.openxmlformats.org/presentationml/2006/main">
   <p:cSld>
     <p:spTree>
@@ -12505,8 +13350,8 @@
           </a:fontRef>
         </p:style>
       </p:cxnSp>
-      <mc:AlternateContent xmlns:mc="http://schemas.openxmlformats.org/markup-compatibility/2006">
-        <mc:Choice xmlns:a14="http://schemas.microsoft.com/office/drawing/2010/main" Requires="a14">
+      <mc:AlternateContent xmlns:mc="http://schemas.openxmlformats.org/markup-compatibility/2006" xmlns:a14="http://schemas.microsoft.com/office/drawing/2010/main">
+        <mc:Choice Requires="a14">
           <p:sp>
             <p:nvSpPr>
               <p:cNvPr id="19" name="文本框 18">
@@ -12685,7 +13530,7 @@
             </p:txBody>
           </p:sp>
         </mc:Choice>
-        <mc:Fallback>
+        <mc:Fallback xmlns="">
           <p:sp>
             <p:nvSpPr>
               <p:cNvPr id="19" name="文本框 18">
@@ -12779,7 +13624,7 @@
 </p:sld>
 </file>
 
-<file path=ppt/slides/slide18.xml><?xml version="1.0" encoding="utf-8"?>
+<file path=ppt/slides/slide2.xml><?xml version="1.0" encoding="utf-8"?>
 <p:sld xmlns:a="http://schemas.openxmlformats.org/drawingml/2006/main" xmlns:r="http://schemas.openxmlformats.org/officeDocument/2006/relationships" xmlns:p="http://schemas.openxmlformats.org/presentationml/2006/main">
   <p:cSld>
     <p:spTree>
@@ -12801,7 +13646,7 @@
           <p:cNvPr id="3" name="文本框 2">
             <a:extLst>
               <a:ext uri="{FF2B5EF4-FFF2-40B4-BE49-F238E27FC236}">
-                <a16:creationId xmlns:a16="http://schemas.microsoft.com/office/drawing/2014/main" id="{DEC44691-3886-4503-9BBA-F5416DAF4822}"/>
+                <a16:creationId xmlns:a16="http://schemas.microsoft.com/office/drawing/2014/main" id="{7E515306-13E6-45B0-97A5-940448DEC08F}"/>
               </a:ext>
             </a:extLst>
           </p:cNvPr>
@@ -12810,8 +13655,8 @@
         </p:nvSpPr>
         <p:spPr>
           <a:xfrm>
-            <a:off x="336289" y="107435"/>
-            <a:ext cx="7974591" cy="707886"/>
+            <a:off x="336289" y="97275"/>
+            <a:ext cx="2995605" cy="707886"/>
           </a:xfrm>
           <a:prstGeom prst="rect">
             <a:avLst/>
@@ -12835,17 +13680,223 @@
                 <a:ea typeface="微软雅黑" panose="020B0503020204020204" pitchFamily="34" charset="-122"/>
                 <a:cs typeface="Times New Roman" panose="02020603050405020304" pitchFamily="18" charset="0"/>
               </a:rPr>
-              <a:t>白盒情况与黑盒情况对比</a:t>
-            </a:r>
+              <a:t>背景简介</a:t>
+            </a:r>
+            <a:endParaRPr kumimoji="1" lang="en-US" altLang="zh-CN" sz="4000" b="1">
+              <a:solidFill>
+                <a:schemeClr val="accent1">
+                  <a:lumMod val="50000"/>
+                </a:schemeClr>
+              </a:solidFill>
+              <a:latin typeface="微软雅黑" panose="020B0503020204020204" pitchFamily="34" charset="-122"/>
+              <a:ea typeface="微软雅黑" panose="020B0503020204020204" pitchFamily="34" charset="-122"/>
+              <a:cs typeface="Times New Roman" panose="02020603050405020304" pitchFamily="18" charset="0"/>
+            </a:endParaRPr>
+          </a:p>
+        </p:txBody>
+      </p:sp>
+      <p:sp>
+        <p:nvSpPr>
+          <p:cNvPr id="7" name="文本框 6">
+            <a:extLst>
+              <a:ext uri="{FF2B5EF4-FFF2-40B4-BE49-F238E27FC236}">
+                <a16:creationId xmlns:a16="http://schemas.microsoft.com/office/drawing/2014/main" id="{E155C70B-9F74-4506-B925-ECDE7A9A04B4}"/>
+              </a:ext>
+            </a:extLst>
+          </p:cNvPr>
+          <p:cNvSpPr txBox="1"/>
+          <p:nvPr/>
+        </p:nvSpPr>
+        <p:spPr>
+          <a:xfrm>
+            <a:off x="0" y="1351508"/>
+            <a:ext cx="11570184" cy="4154984"/>
+          </a:xfrm>
+          <a:prstGeom prst="rect">
+            <a:avLst/>
+          </a:prstGeom>
+          <a:noFill/>
+        </p:spPr>
+        <p:txBody>
+          <a:bodyPr wrap="square">
+            <a:spAutoFit/>
+          </a:bodyPr>
+          <a:lstStyle/>
+          <a:p>
+            <a:pPr marL="914400" lvl="1" indent="-457200" algn="just">
+              <a:spcAft>
+                <a:spcPts val="1200"/>
+              </a:spcAft>
+              <a:buFont typeface="Wingdings" panose="05000000000000000000" pitchFamily="2" charset="2"/>
+              <a:buChar char="Ø"/>
+            </a:pPr>
+            <a:r>
+              <a:rPr lang="zh-CN" altLang="en-US" sz="2800">
+                <a:latin typeface="华文中宋" panose="02010600040101010101" pitchFamily="2" charset="-122"/>
+                <a:ea typeface="华文中宋" panose="02010600040101010101" pitchFamily="2" charset="-122"/>
+                <a:cs typeface="Times New Roman" panose="02020603050405020304" pitchFamily="18" charset="0"/>
+              </a:rPr>
+              <a:t>机器模型容易受到多种攻击，包括对抗攻击、模型窃取攻击、模型反转攻击和隐私侵犯攻击等。</a:t>
+            </a:r>
+            <a:r>
+              <a:rPr lang="zh-CN" altLang="en-US" sz="2800">
+                <a:solidFill>
+                  <a:srgbClr val="C00000"/>
+                </a:solidFill>
+                <a:latin typeface="华文中宋" panose="02010600040101010101" pitchFamily="2" charset="-122"/>
+                <a:ea typeface="华文中宋" panose="02010600040101010101" pitchFamily="2" charset="-122"/>
+                <a:cs typeface="Times New Roman" panose="02020603050405020304" pitchFamily="18" charset="0"/>
+              </a:rPr>
+              <a:t>本文关注如何实施成员推理攻击</a:t>
+            </a:r>
+            <a:r>
+              <a:rPr lang="en-US" altLang="zh-CN" sz="2800">
+                <a:solidFill>
+                  <a:srgbClr val="C00000"/>
+                </a:solidFill>
+                <a:latin typeface="华文中宋" panose="02010600040101010101" pitchFamily="2" charset="-122"/>
+                <a:ea typeface="华文中宋" panose="02010600040101010101" pitchFamily="2" charset="-122"/>
+                <a:cs typeface="Times New Roman" panose="02020603050405020304" pitchFamily="18" charset="0"/>
+              </a:rPr>
+              <a:t>MIA</a:t>
+            </a:r>
+            <a:r>
+              <a:rPr lang="zh-CN" altLang="en-US" sz="2800">
+                <a:latin typeface="华文中宋" panose="02010600040101010101" pitchFamily="2" charset="-122"/>
+                <a:ea typeface="华文中宋" panose="02010600040101010101" pitchFamily="2" charset="-122"/>
+                <a:cs typeface="Times New Roman" panose="02020603050405020304" pitchFamily="18" charset="0"/>
+              </a:rPr>
+              <a:t>。</a:t>
+            </a:r>
+            <a:endParaRPr lang="en-US" altLang="zh-CN" sz="2800">
+              <a:latin typeface="华文中宋" panose="02010600040101010101" pitchFamily="2" charset="-122"/>
+              <a:ea typeface="华文中宋" panose="02010600040101010101" pitchFamily="2" charset="-122"/>
+              <a:cs typeface="Times New Roman" panose="02020603050405020304" pitchFamily="18" charset="0"/>
+            </a:endParaRPr>
+          </a:p>
+          <a:p>
+            <a:pPr marL="914400" lvl="1" indent="-457200" algn="just">
+              <a:spcAft>
+                <a:spcPts val="1200"/>
+              </a:spcAft>
+              <a:buFont typeface="Wingdings" panose="05000000000000000000" pitchFamily="2" charset="2"/>
+              <a:buChar char="Ø"/>
+            </a:pPr>
+            <a:endParaRPr lang="en-US" altLang="zh-CN" sz="2800">
+              <a:latin typeface="华文中宋" panose="02010600040101010101" pitchFamily="2" charset="-122"/>
+              <a:ea typeface="华文中宋" panose="02010600040101010101" pitchFamily="2" charset="-122"/>
+              <a:cs typeface="Times New Roman" panose="02020603050405020304" pitchFamily="18" charset="0"/>
+            </a:endParaRPr>
+          </a:p>
+          <a:p>
+            <a:pPr marL="914400" lvl="1" indent="-457200" algn="just">
+              <a:spcAft>
+                <a:spcPts val="1200"/>
+              </a:spcAft>
+              <a:buFont typeface="Wingdings" panose="05000000000000000000" pitchFamily="2" charset="2"/>
+              <a:buChar char="Ø"/>
+            </a:pPr>
+            <a:r>
+              <a:rPr lang="zh-CN" altLang="en-US" sz="2800">
+                <a:latin typeface="华文中宋" panose="02010600040101010101" pitchFamily="2" charset="-122"/>
+                <a:ea typeface="华文中宋" panose="02010600040101010101" pitchFamily="2" charset="-122"/>
+                <a:cs typeface="Times New Roman" panose="02020603050405020304" pitchFamily="18" charset="0"/>
+              </a:rPr>
+              <a:t>模型推理攻击就是推断给定的数据是否在被攻击模型的训练集中。</a:t>
+            </a:r>
+            <a:endParaRPr lang="en-US" altLang="zh-CN" sz="2800">
+              <a:latin typeface="华文中宋" panose="02010600040101010101" pitchFamily="2" charset="-122"/>
+              <a:ea typeface="华文中宋" panose="02010600040101010101" pitchFamily="2" charset="-122"/>
+              <a:cs typeface="Times New Roman" panose="02020603050405020304" pitchFamily="18" charset="0"/>
+            </a:endParaRPr>
+          </a:p>
+          <a:p>
+            <a:pPr marL="914400" lvl="1" indent="-457200" algn="just">
+              <a:spcAft>
+                <a:spcPts val="1200"/>
+              </a:spcAft>
+              <a:buFont typeface="Wingdings" panose="05000000000000000000" pitchFamily="2" charset="2"/>
+              <a:buChar char="Ø"/>
+            </a:pPr>
+            <a:endParaRPr lang="en-US" altLang="zh-CN" sz="2800">
+              <a:latin typeface="华文中宋" panose="02010600040101010101" pitchFamily="2" charset="-122"/>
+              <a:ea typeface="华文中宋" panose="02010600040101010101" pitchFamily="2" charset="-122"/>
+              <a:cs typeface="Times New Roman" panose="02020603050405020304" pitchFamily="18" charset="0"/>
+            </a:endParaRPr>
+          </a:p>
+          <a:p>
+            <a:pPr marL="914400" lvl="1" indent="-457200" algn="just">
+              <a:spcAft>
+                <a:spcPts val="1200"/>
+              </a:spcAft>
+              <a:buFont typeface="Wingdings" panose="05000000000000000000" pitchFamily="2" charset="2"/>
+              <a:buChar char="Ø"/>
+            </a:pPr>
+            <a:r>
+              <a:rPr lang="zh-CN" altLang="en-US" sz="2800">
+                <a:solidFill>
+                  <a:srgbClr val="0070C0"/>
+                </a:solidFill>
+                <a:latin typeface="华文中宋" panose="02010600040101010101" pitchFamily="2" charset="-122"/>
+                <a:ea typeface="华文中宋" panose="02010600040101010101" pitchFamily="2" charset="-122"/>
+                <a:cs typeface="Times New Roman" panose="02020603050405020304" pitchFamily="18" charset="0"/>
+              </a:rPr>
+              <a:t>推理攻击举例：</a:t>
+            </a:r>
+            <a:r>
+              <a:rPr lang="zh-CN" altLang="en-US" sz="2800">
+                <a:latin typeface="华文中宋" panose="02010600040101010101" pitchFamily="2" charset="-122"/>
+                <a:ea typeface="华文中宋" panose="02010600040101010101" pitchFamily="2" charset="-122"/>
+                <a:cs typeface="Times New Roman" panose="02020603050405020304" pitchFamily="18" charset="0"/>
+              </a:rPr>
+              <a:t>银行训练并发布了一个预测用户信用级别的</a:t>
+            </a:r>
+            <a:r>
+              <a:rPr lang="en-US" altLang="zh-CN" sz="2800">
+                <a:latin typeface="华文中宋" panose="02010600040101010101" pitchFamily="2" charset="-122"/>
+                <a:ea typeface="华文中宋" panose="02010600040101010101" pitchFamily="2" charset="-122"/>
+                <a:cs typeface="Times New Roman" panose="02020603050405020304" pitchFamily="18" charset="0"/>
+              </a:rPr>
+              <a:t>ML</a:t>
+            </a:r>
+            <a:r>
+              <a:rPr lang="zh-CN" altLang="en-US" sz="2800">
+                <a:latin typeface="华文中宋" panose="02010600040101010101" pitchFamily="2" charset="-122"/>
+                <a:ea typeface="华文中宋" panose="02010600040101010101" pitchFamily="2" charset="-122"/>
+                <a:cs typeface="Times New Roman" panose="02020603050405020304" pitchFamily="18" charset="0"/>
+              </a:rPr>
+              <a:t>模型用于贷款，如果能通过黑盒</a:t>
+            </a:r>
+            <a:r>
+              <a:rPr lang="en-US" altLang="zh-CN" sz="2800">
+                <a:latin typeface="华文中宋" panose="02010600040101010101" pitchFamily="2" charset="-122"/>
+                <a:ea typeface="华文中宋" panose="02010600040101010101" pitchFamily="2" charset="-122"/>
+                <a:cs typeface="Times New Roman" panose="02020603050405020304" pitchFamily="18" charset="0"/>
+              </a:rPr>
+              <a:t>MIA</a:t>
+            </a:r>
+            <a:r>
+              <a:rPr lang="zh-CN" altLang="en-US" sz="2800">
+                <a:latin typeface="华文中宋" panose="02010600040101010101" pitchFamily="2" charset="-122"/>
+                <a:ea typeface="华文中宋" panose="02010600040101010101" pitchFamily="2" charset="-122"/>
+                <a:cs typeface="Times New Roman" panose="02020603050405020304" pitchFamily="18" charset="0"/>
+              </a:rPr>
+              <a:t>攻击知道某人在不在训练集中，就能知道他是不是这家银行的客户。</a:t>
+            </a:r>
+            <a:endParaRPr lang="en-US" altLang="zh-CN" sz="2800">
+              <a:latin typeface="华文中宋" panose="02010600040101010101" pitchFamily="2" charset="-122"/>
+              <a:ea typeface="华文中宋" panose="02010600040101010101" pitchFamily="2" charset="-122"/>
+              <a:cs typeface="Times New Roman" panose="02020603050405020304" pitchFamily="18" charset="0"/>
+            </a:endParaRPr>
           </a:p>
         </p:txBody>
       </p:sp>
       <p:cxnSp>
         <p:nvCxnSpPr>
-          <p:cNvPr id="10" name="直接连接符 9">
-            <a:extLst>
-              <a:ext uri="{FF2B5EF4-FFF2-40B4-BE49-F238E27FC236}">
-                <a16:creationId xmlns:a16="http://schemas.microsoft.com/office/drawing/2014/main" id="{B4FE4F6A-540B-4003-A935-887F5A120DCC}"/>
+          <p:cNvPr id="13" name="直接连接符 12">
+            <a:extLst>
+              <a:ext uri="{FF2B5EF4-FFF2-40B4-BE49-F238E27FC236}">
+                <a16:creationId xmlns:a16="http://schemas.microsoft.com/office/drawing/2014/main" id="{F66D5405-2EF9-46CA-9CB0-4BB5ED629FB6}"/>
               </a:ext>
             </a:extLst>
           </p:cNvPr>
@@ -12881,6 +13932,121 @@
           </a:fontRef>
         </p:style>
       </p:cxnSp>
+    </p:spTree>
+    <p:extLst>
+      <p:ext uri="{BB962C8B-B14F-4D97-AF65-F5344CB8AC3E}">
+        <p14:creationId xmlns:p14="http://schemas.microsoft.com/office/powerpoint/2010/main" val="2819363090"/>
+      </p:ext>
+    </p:extLst>
+  </p:cSld>
+  <p:clrMapOvr>
+    <a:masterClrMapping/>
+  </p:clrMapOvr>
+</p:sld>
+</file>
+
+<file path=ppt/slides/slide20.xml><?xml version="1.0" encoding="utf-8"?>
+<p:sld xmlns:a="http://schemas.openxmlformats.org/drawingml/2006/main" xmlns:r="http://schemas.openxmlformats.org/officeDocument/2006/relationships" xmlns:p="http://schemas.openxmlformats.org/presentationml/2006/main">
+  <p:cSld>
+    <p:spTree>
+      <p:nvGrpSpPr>
+        <p:cNvPr id="1" name=""/>
+        <p:cNvGrpSpPr/>
+        <p:nvPr/>
+      </p:nvGrpSpPr>
+      <p:grpSpPr>
+        <a:xfrm>
+          <a:off x="0" y="0"/>
+          <a:ext cx="0" cy="0"/>
+          <a:chOff x="0" y="0"/>
+          <a:chExt cx="0" cy="0"/>
+        </a:xfrm>
+      </p:grpSpPr>
+      <p:sp>
+        <p:nvSpPr>
+          <p:cNvPr id="3" name="文本框 2">
+            <a:extLst>
+              <a:ext uri="{FF2B5EF4-FFF2-40B4-BE49-F238E27FC236}">
+                <a16:creationId xmlns:a16="http://schemas.microsoft.com/office/drawing/2014/main" id="{DEC44691-3886-4503-9BBA-F5416DAF4822}"/>
+              </a:ext>
+            </a:extLst>
+          </p:cNvPr>
+          <p:cNvSpPr txBox="1"/>
+          <p:nvPr/>
+        </p:nvSpPr>
+        <p:spPr>
+          <a:xfrm>
+            <a:off x="336289" y="107435"/>
+            <a:ext cx="7974591" cy="707886"/>
+          </a:xfrm>
+          <a:prstGeom prst="rect">
+            <a:avLst/>
+          </a:prstGeom>
+          <a:noFill/>
+        </p:spPr>
+        <p:txBody>
+          <a:bodyPr wrap="square" rtlCol="0">
+            <a:spAutoFit/>
+          </a:bodyPr>
+          <a:lstStyle/>
+          <a:p>
+            <a:r>
+              <a:rPr kumimoji="1" lang="zh-CN" altLang="en-US" sz="4000" b="1">
+                <a:solidFill>
+                  <a:schemeClr val="accent1">
+                    <a:lumMod val="50000"/>
+                  </a:schemeClr>
+                </a:solidFill>
+                <a:latin typeface="微软雅黑" panose="020B0503020204020204" pitchFamily="34" charset="-122"/>
+                <a:ea typeface="微软雅黑" panose="020B0503020204020204" pitchFamily="34" charset="-122"/>
+                <a:cs typeface="Times New Roman" panose="02020603050405020304" pitchFamily="18" charset="0"/>
+              </a:rPr>
+              <a:t>白盒情况与黑盒情况对比</a:t>
+            </a:r>
+          </a:p>
+        </p:txBody>
+      </p:sp>
+      <p:cxnSp>
+        <p:nvCxnSpPr>
+          <p:cNvPr id="10" name="直接连接符 9">
+            <a:extLst>
+              <a:ext uri="{FF2B5EF4-FFF2-40B4-BE49-F238E27FC236}">
+                <a16:creationId xmlns:a16="http://schemas.microsoft.com/office/drawing/2014/main" id="{B4FE4F6A-540B-4003-A935-887F5A120DCC}"/>
+              </a:ext>
+            </a:extLst>
+          </p:cNvPr>
+          <p:cNvCxnSpPr/>
+          <p:nvPr/>
+        </p:nvCxnSpPr>
+        <p:spPr>
+          <a:xfrm>
+            <a:off x="0" y="906761"/>
+            <a:ext cx="12192000" cy="0"/>
+          </a:xfrm>
+          <a:prstGeom prst="line">
+            <a:avLst/>
+          </a:prstGeom>
+          <a:ln w="19050">
+            <a:solidFill>
+              <a:srgbClr val="203864"/>
+            </a:solidFill>
+          </a:ln>
+        </p:spPr>
+        <p:style>
+          <a:lnRef idx="1">
+            <a:schemeClr val="accent1"/>
+          </a:lnRef>
+          <a:fillRef idx="0">
+            <a:schemeClr val="accent1"/>
+          </a:fillRef>
+          <a:effectRef idx="0">
+            <a:schemeClr val="accent1"/>
+          </a:effectRef>
+          <a:fontRef idx="minor">
+            <a:schemeClr val="tx1"/>
+          </a:fontRef>
+        </p:style>
+      </p:cxnSp>
       <p:sp>
         <p:nvSpPr>
           <p:cNvPr id="7" name="文本框 6">
@@ -13023,7 +14189,7 @@
 </p:sld>
 </file>
 
-<file path=ppt/slides/slide19.xml><?xml version="1.0" encoding="utf-8"?>
+<file path=ppt/slides/slide21.xml><?xml version="1.0" encoding="utf-8"?>
 <p:sld xmlns:a="http://schemas.openxmlformats.org/drawingml/2006/main" xmlns:r="http://schemas.openxmlformats.org/officeDocument/2006/relationships" xmlns:p="http://schemas.openxmlformats.org/presentationml/2006/main">
   <p:cSld>
     <p:spTree>
@@ -13112,7 +14278,7 @@
                 <a:tabLst/>
                 <a:defRPr/>
               </a:pPr>
-              <a:t>19</a:t>
+              <a:t>21</a:t>
             </a:fld>
             <a:endParaRPr kumimoji="1" lang="zh-CN" altLang="en-US" sz="2000" b="0" i="0" u="none" strike="noStrike" kern="1200" cap="none" spc="0" normalizeH="0" baseline="0" noProof="0">
               <a:ln>
@@ -13450,327 +14616,6 @@
     <p:extLst>
       <p:ext uri="{BB962C8B-B14F-4D97-AF65-F5344CB8AC3E}">
         <p14:creationId xmlns:p14="http://schemas.microsoft.com/office/powerpoint/2010/main" val="1862950810"/>
-      </p:ext>
-    </p:extLst>
-  </p:cSld>
-  <p:clrMapOvr>
-    <a:masterClrMapping/>
-  </p:clrMapOvr>
-</p:sld>
-</file>
-
-<file path=ppt/slides/slide2.xml><?xml version="1.0" encoding="utf-8"?>
-<p:sld xmlns:a="http://schemas.openxmlformats.org/drawingml/2006/main" xmlns:r="http://schemas.openxmlformats.org/officeDocument/2006/relationships" xmlns:p="http://schemas.openxmlformats.org/presentationml/2006/main">
-  <p:cSld>
-    <p:spTree>
-      <p:nvGrpSpPr>
-        <p:cNvPr id="1" name=""/>
-        <p:cNvGrpSpPr/>
-        <p:nvPr/>
-      </p:nvGrpSpPr>
-      <p:grpSpPr>
-        <a:xfrm>
-          <a:off x="0" y="0"/>
-          <a:ext cx="0" cy="0"/>
-          <a:chOff x="0" y="0"/>
-          <a:chExt cx="0" cy="0"/>
-        </a:xfrm>
-      </p:grpSpPr>
-      <p:sp>
-        <p:nvSpPr>
-          <p:cNvPr id="3" name="文本框 2">
-            <a:extLst>
-              <a:ext uri="{FF2B5EF4-FFF2-40B4-BE49-F238E27FC236}">
-                <a16:creationId xmlns:a16="http://schemas.microsoft.com/office/drawing/2014/main" id="{7E515306-13E6-45B0-97A5-940448DEC08F}"/>
-              </a:ext>
-            </a:extLst>
-          </p:cNvPr>
-          <p:cNvSpPr txBox="1"/>
-          <p:nvPr/>
-        </p:nvSpPr>
-        <p:spPr>
-          <a:xfrm>
-            <a:off x="336289" y="97275"/>
-            <a:ext cx="2995605" cy="707886"/>
-          </a:xfrm>
-          <a:prstGeom prst="rect">
-            <a:avLst/>
-          </a:prstGeom>
-          <a:noFill/>
-        </p:spPr>
-        <p:txBody>
-          <a:bodyPr wrap="square" rtlCol="0">
-            <a:spAutoFit/>
-          </a:bodyPr>
-          <a:lstStyle/>
-          <a:p>
-            <a:r>
-              <a:rPr kumimoji="1" lang="zh-CN" altLang="en-US" sz="4000" b="1">
-                <a:solidFill>
-                  <a:schemeClr val="accent1">
-                    <a:lumMod val="50000"/>
-                  </a:schemeClr>
-                </a:solidFill>
-                <a:latin typeface="微软雅黑" panose="020B0503020204020204" pitchFamily="34" charset="-122"/>
-                <a:ea typeface="微软雅黑" panose="020B0503020204020204" pitchFamily="34" charset="-122"/>
-                <a:cs typeface="Times New Roman" panose="02020603050405020304" pitchFamily="18" charset="0"/>
-              </a:rPr>
-              <a:t>背景简介</a:t>
-            </a:r>
-            <a:endParaRPr kumimoji="1" lang="en-US" altLang="zh-CN" sz="4000" b="1">
-              <a:solidFill>
-                <a:schemeClr val="accent1">
-                  <a:lumMod val="50000"/>
-                </a:schemeClr>
-              </a:solidFill>
-              <a:latin typeface="微软雅黑" panose="020B0503020204020204" pitchFamily="34" charset="-122"/>
-              <a:ea typeface="微软雅黑" panose="020B0503020204020204" pitchFamily="34" charset="-122"/>
-              <a:cs typeface="Times New Roman" panose="02020603050405020304" pitchFamily="18" charset="0"/>
-            </a:endParaRPr>
-          </a:p>
-        </p:txBody>
-      </p:sp>
-      <p:sp>
-        <p:nvSpPr>
-          <p:cNvPr id="7" name="文本框 6">
-            <a:extLst>
-              <a:ext uri="{FF2B5EF4-FFF2-40B4-BE49-F238E27FC236}">
-                <a16:creationId xmlns:a16="http://schemas.microsoft.com/office/drawing/2014/main" id="{E155C70B-9F74-4506-B925-ECDE7A9A04B4}"/>
-              </a:ext>
-            </a:extLst>
-          </p:cNvPr>
-          <p:cNvSpPr txBox="1"/>
-          <p:nvPr/>
-        </p:nvSpPr>
-        <p:spPr>
-          <a:xfrm>
-            <a:off x="0" y="1351508"/>
-            <a:ext cx="11570184" cy="4154984"/>
-          </a:xfrm>
-          <a:prstGeom prst="rect">
-            <a:avLst/>
-          </a:prstGeom>
-          <a:noFill/>
-        </p:spPr>
-        <p:txBody>
-          <a:bodyPr wrap="square">
-            <a:spAutoFit/>
-          </a:bodyPr>
-          <a:lstStyle/>
-          <a:p>
-            <a:pPr marL="914400" lvl="1" indent="-457200" algn="just">
-              <a:spcAft>
-                <a:spcPts val="1200"/>
-              </a:spcAft>
-              <a:buFont typeface="Wingdings" panose="05000000000000000000" pitchFamily="2" charset="2"/>
-              <a:buChar char="Ø"/>
-            </a:pPr>
-            <a:r>
-              <a:rPr lang="zh-CN" altLang="en-US" sz="2800">
-                <a:latin typeface="华文中宋" panose="02010600040101010101" pitchFamily="2" charset="-122"/>
-                <a:ea typeface="华文中宋" panose="02010600040101010101" pitchFamily="2" charset="-122"/>
-                <a:cs typeface="Times New Roman" panose="02020603050405020304" pitchFamily="18" charset="0"/>
-              </a:rPr>
-              <a:t>机器模型容易受到多种攻击，包括对抗攻击、模型窃取攻击、模型反转攻击和隐私侵犯攻击等。</a:t>
-            </a:r>
-            <a:r>
-              <a:rPr lang="zh-CN" altLang="en-US" sz="2800">
-                <a:solidFill>
-                  <a:srgbClr val="C00000"/>
-                </a:solidFill>
-                <a:latin typeface="华文中宋" panose="02010600040101010101" pitchFamily="2" charset="-122"/>
-                <a:ea typeface="华文中宋" panose="02010600040101010101" pitchFamily="2" charset="-122"/>
-                <a:cs typeface="Times New Roman" panose="02020603050405020304" pitchFamily="18" charset="0"/>
-              </a:rPr>
-              <a:t>本文关注如何实施成员推理攻击</a:t>
-            </a:r>
-            <a:r>
-              <a:rPr lang="en-US" altLang="zh-CN" sz="2800">
-                <a:solidFill>
-                  <a:srgbClr val="C00000"/>
-                </a:solidFill>
-                <a:latin typeface="华文中宋" panose="02010600040101010101" pitchFamily="2" charset="-122"/>
-                <a:ea typeface="华文中宋" panose="02010600040101010101" pitchFamily="2" charset="-122"/>
-                <a:cs typeface="Times New Roman" panose="02020603050405020304" pitchFamily="18" charset="0"/>
-              </a:rPr>
-              <a:t>MIA</a:t>
-            </a:r>
-            <a:r>
-              <a:rPr lang="zh-CN" altLang="en-US" sz="2800">
-                <a:latin typeface="华文中宋" panose="02010600040101010101" pitchFamily="2" charset="-122"/>
-                <a:ea typeface="华文中宋" panose="02010600040101010101" pitchFamily="2" charset="-122"/>
-                <a:cs typeface="Times New Roman" panose="02020603050405020304" pitchFamily="18" charset="0"/>
-              </a:rPr>
-              <a:t>。</a:t>
-            </a:r>
-            <a:endParaRPr lang="en-US" altLang="zh-CN" sz="2800">
-              <a:latin typeface="华文中宋" panose="02010600040101010101" pitchFamily="2" charset="-122"/>
-              <a:ea typeface="华文中宋" panose="02010600040101010101" pitchFamily="2" charset="-122"/>
-              <a:cs typeface="Times New Roman" panose="02020603050405020304" pitchFamily="18" charset="0"/>
-            </a:endParaRPr>
-          </a:p>
-          <a:p>
-            <a:pPr marL="914400" lvl="1" indent="-457200" algn="just">
-              <a:spcAft>
-                <a:spcPts val="1200"/>
-              </a:spcAft>
-              <a:buFont typeface="Wingdings" panose="05000000000000000000" pitchFamily="2" charset="2"/>
-              <a:buChar char="Ø"/>
-            </a:pPr>
-            <a:endParaRPr lang="en-US" altLang="zh-CN" sz="2800">
-              <a:latin typeface="华文中宋" panose="02010600040101010101" pitchFamily="2" charset="-122"/>
-              <a:ea typeface="华文中宋" panose="02010600040101010101" pitchFamily="2" charset="-122"/>
-              <a:cs typeface="Times New Roman" panose="02020603050405020304" pitchFamily="18" charset="0"/>
-            </a:endParaRPr>
-          </a:p>
-          <a:p>
-            <a:pPr marL="914400" lvl="1" indent="-457200" algn="just">
-              <a:spcAft>
-                <a:spcPts val="1200"/>
-              </a:spcAft>
-              <a:buFont typeface="Wingdings" panose="05000000000000000000" pitchFamily="2" charset="2"/>
-              <a:buChar char="Ø"/>
-            </a:pPr>
-            <a:r>
-              <a:rPr lang="zh-CN" altLang="en-US" sz="2800">
-                <a:latin typeface="华文中宋" panose="02010600040101010101" pitchFamily="2" charset="-122"/>
-                <a:ea typeface="华文中宋" panose="02010600040101010101" pitchFamily="2" charset="-122"/>
-                <a:cs typeface="Times New Roman" panose="02020603050405020304" pitchFamily="18" charset="0"/>
-              </a:rPr>
-              <a:t>模型推理攻击就是推断给定的数据是否在被攻击模型的训练集中。</a:t>
-            </a:r>
-            <a:endParaRPr lang="en-US" altLang="zh-CN" sz="2800">
-              <a:latin typeface="华文中宋" panose="02010600040101010101" pitchFamily="2" charset="-122"/>
-              <a:ea typeface="华文中宋" panose="02010600040101010101" pitchFamily="2" charset="-122"/>
-              <a:cs typeface="Times New Roman" panose="02020603050405020304" pitchFamily="18" charset="0"/>
-            </a:endParaRPr>
-          </a:p>
-          <a:p>
-            <a:pPr marL="914400" lvl="1" indent="-457200" algn="just">
-              <a:spcAft>
-                <a:spcPts val="1200"/>
-              </a:spcAft>
-              <a:buFont typeface="Wingdings" panose="05000000000000000000" pitchFamily="2" charset="2"/>
-              <a:buChar char="Ø"/>
-            </a:pPr>
-            <a:endParaRPr lang="en-US" altLang="zh-CN" sz="2800">
-              <a:latin typeface="华文中宋" panose="02010600040101010101" pitchFamily="2" charset="-122"/>
-              <a:ea typeface="华文中宋" panose="02010600040101010101" pitchFamily="2" charset="-122"/>
-              <a:cs typeface="Times New Roman" panose="02020603050405020304" pitchFamily="18" charset="0"/>
-            </a:endParaRPr>
-          </a:p>
-          <a:p>
-            <a:pPr marL="914400" lvl="1" indent="-457200" algn="just">
-              <a:spcAft>
-                <a:spcPts val="1200"/>
-              </a:spcAft>
-              <a:buFont typeface="Wingdings" panose="05000000000000000000" pitchFamily="2" charset="2"/>
-              <a:buChar char="Ø"/>
-            </a:pPr>
-            <a:r>
-              <a:rPr lang="zh-CN" altLang="en-US" sz="2800">
-                <a:solidFill>
-                  <a:srgbClr val="0070C0"/>
-                </a:solidFill>
-                <a:latin typeface="华文中宋" panose="02010600040101010101" pitchFamily="2" charset="-122"/>
-                <a:ea typeface="华文中宋" panose="02010600040101010101" pitchFamily="2" charset="-122"/>
-                <a:cs typeface="Times New Roman" panose="02020603050405020304" pitchFamily="18" charset="0"/>
-              </a:rPr>
-              <a:t>推理攻击举例：</a:t>
-            </a:r>
-            <a:r>
-              <a:rPr lang="zh-CN" altLang="en-US" sz="2800">
-                <a:latin typeface="华文中宋" panose="02010600040101010101" pitchFamily="2" charset="-122"/>
-                <a:ea typeface="华文中宋" panose="02010600040101010101" pitchFamily="2" charset="-122"/>
-                <a:cs typeface="Times New Roman" panose="02020603050405020304" pitchFamily="18" charset="0"/>
-              </a:rPr>
-              <a:t>银行训练并发布了一个预测用户信用级别的</a:t>
-            </a:r>
-            <a:r>
-              <a:rPr lang="en-US" altLang="zh-CN" sz="2800">
-                <a:latin typeface="华文中宋" panose="02010600040101010101" pitchFamily="2" charset="-122"/>
-                <a:ea typeface="华文中宋" panose="02010600040101010101" pitchFamily="2" charset="-122"/>
-                <a:cs typeface="Times New Roman" panose="02020603050405020304" pitchFamily="18" charset="0"/>
-              </a:rPr>
-              <a:t>ML</a:t>
-            </a:r>
-            <a:r>
-              <a:rPr lang="zh-CN" altLang="en-US" sz="2800">
-                <a:latin typeface="华文中宋" panose="02010600040101010101" pitchFamily="2" charset="-122"/>
-                <a:ea typeface="华文中宋" panose="02010600040101010101" pitchFamily="2" charset="-122"/>
-                <a:cs typeface="Times New Roman" panose="02020603050405020304" pitchFamily="18" charset="0"/>
-              </a:rPr>
-              <a:t>模型用于贷款，如果能通过黑盒</a:t>
-            </a:r>
-            <a:r>
-              <a:rPr lang="en-US" altLang="zh-CN" sz="2800">
-                <a:latin typeface="华文中宋" panose="02010600040101010101" pitchFamily="2" charset="-122"/>
-                <a:ea typeface="华文中宋" panose="02010600040101010101" pitchFamily="2" charset="-122"/>
-                <a:cs typeface="Times New Roman" panose="02020603050405020304" pitchFamily="18" charset="0"/>
-              </a:rPr>
-              <a:t>MIA</a:t>
-            </a:r>
-            <a:r>
-              <a:rPr lang="zh-CN" altLang="en-US" sz="2800">
-                <a:latin typeface="华文中宋" panose="02010600040101010101" pitchFamily="2" charset="-122"/>
-                <a:ea typeface="华文中宋" panose="02010600040101010101" pitchFamily="2" charset="-122"/>
-                <a:cs typeface="Times New Roman" panose="02020603050405020304" pitchFamily="18" charset="0"/>
-              </a:rPr>
-              <a:t>攻击知道某人在不在训练集中，就能知道他是不是这家银行的客户。</a:t>
-            </a:r>
-            <a:endParaRPr lang="en-US" altLang="zh-CN" sz="2800">
-              <a:latin typeface="华文中宋" panose="02010600040101010101" pitchFamily="2" charset="-122"/>
-              <a:ea typeface="华文中宋" panose="02010600040101010101" pitchFamily="2" charset="-122"/>
-              <a:cs typeface="Times New Roman" panose="02020603050405020304" pitchFamily="18" charset="0"/>
-            </a:endParaRPr>
-          </a:p>
-        </p:txBody>
-      </p:sp>
-      <p:cxnSp>
-        <p:nvCxnSpPr>
-          <p:cNvPr id="13" name="直接连接符 12">
-            <a:extLst>
-              <a:ext uri="{FF2B5EF4-FFF2-40B4-BE49-F238E27FC236}">
-                <a16:creationId xmlns:a16="http://schemas.microsoft.com/office/drawing/2014/main" id="{F66D5405-2EF9-46CA-9CB0-4BB5ED629FB6}"/>
-              </a:ext>
-            </a:extLst>
-          </p:cNvPr>
-          <p:cNvCxnSpPr/>
-          <p:nvPr/>
-        </p:nvCxnSpPr>
-        <p:spPr>
-          <a:xfrm>
-            <a:off x="0" y="906761"/>
-            <a:ext cx="12192000" cy="0"/>
-          </a:xfrm>
-          <a:prstGeom prst="line">
-            <a:avLst/>
-          </a:prstGeom>
-          <a:ln w="19050">
-            <a:solidFill>
-              <a:srgbClr val="203864"/>
-            </a:solidFill>
-          </a:ln>
-        </p:spPr>
-        <p:style>
-          <a:lnRef idx="1">
-            <a:schemeClr val="accent1"/>
-          </a:lnRef>
-          <a:fillRef idx="0">
-            <a:schemeClr val="accent1"/>
-          </a:fillRef>
-          <a:effectRef idx="0">
-            <a:schemeClr val="accent1"/>
-          </a:effectRef>
-          <a:fontRef idx="minor">
-            <a:schemeClr val="tx1"/>
-          </a:fontRef>
-        </p:style>
-      </p:cxnSp>
-    </p:spTree>
-    <p:extLst>
-      <p:ext uri="{BB962C8B-B14F-4D97-AF65-F5344CB8AC3E}">
-        <p14:creationId xmlns:p14="http://schemas.microsoft.com/office/powerpoint/2010/main" val="2819363090"/>
       </p:ext>
     </p:extLst>
   </p:cSld>
@@ -15580,8 +16425,8 @@
           </a:fontRef>
         </p:style>
       </p:cxnSp>
-      <mc:AlternateContent xmlns:mc="http://schemas.openxmlformats.org/markup-compatibility/2006">
-        <mc:Choice xmlns:a14="http://schemas.microsoft.com/office/drawing/2010/main" Requires="a14">
+      <mc:AlternateContent xmlns:mc="http://schemas.openxmlformats.org/markup-compatibility/2006" xmlns:a14="http://schemas.microsoft.com/office/drawing/2010/main">
+        <mc:Choice Requires="a14">
           <p:sp>
             <p:nvSpPr>
               <p:cNvPr id="10" name="文本框 9">
@@ -16296,7 +17141,7 @@
             </p:txBody>
           </p:sp>
         </mc:Choice>
-        <mc:Fallback>
+        <mc:Fallback xmlns="">
           <p:sp>
             <p:nvSpPr>
               <p:cNvPr id="10" name="文本框 9">
@@ -16494,8 +17339,166 @@
           </a:p>
         </p:txBody>
       </p:sp>
-      <mc:AlternateContent xmlns:mc="http://schemas.openxmlformats.org/markup-compatibility/2006">
-        <mc:Choice xmlns:a14="http://schemas.microsoft.com/office/drawing/2010/main" Requires="a14">
+      <p:cxnSp>
+        <p:nvCxnSpPr>
+          <p:cNvPr id="10" name="直接连接符 9">
+            <a:extLst>
+              <a:ext uri="{FF2B5EF4-FFF2-40B4-BE49-F238E27FC236}">
+                <a16:creationId xmlns:a16="http://schemas.microsoft.com/office/drawing/2014/main" id="{B4FE4F6A-540B-4003-A935-887F5A120DCC}"/>
+              </a:ext>
+            </a:extLst>
+          </p:cNvPr>
+          <p:cNvCxnSpPr/>
+          <p:nvPr/>
+        </p:nvCxnSpPr>
+        <p:spPr>
+          <a:xfrm>
+            <a:off x="0" y="906761"/>
+            <a:ext cx="12192000" cy="0"/>
+          </a:xfrm>
+          <a:prstGeom prst="line">
+            <a:avLst/>
+          </a:prstGeom>
+          <a:ln w="19050">
+            <a:solidFill>
+              <a:srgbClr val="203864"/>
+            </a:solidFill>
+          </a:ln>
+        </p:spPr>
+        <p:style>
+          <a:lnRef idx="1">
+            <a:schemeClr val="accent1"/>
+          </a:lnRef>
+          <a:fillRef idx="0">
+            <a:schemeClr val="accent1"/>
+          </a:fillRef>
+          <a:effectRef idx="0">
+            <a:schemeClr val="accent1"/>
+          </a:effectRef>
+          <a:fontRef idx="minor">
+            <a:schemeClr val="tx1"/>
+          </a:fontRef>
+        </p:style>
+      </p:cxnSp>
+      <p:pic>
+        <p:nvPicPr>
+          <p:cNvPr id="4" name="图片 3">
+            <a:extLst>
+              <a:ext uri="{FF2B5EF4-FFF2-40B4-BE49-F238E27FC236}">
+                <a16:creationId xmlns:a16="http://schemas.microsoft.com/office/drawing/2014/main" id="{2DEE850A-11A2-4A47-9205-0100EDB9F552}"/>
+              </a:ext>
+            </a:extLst>
+          </p:cNvPr>
+          <p:cNvPicPr>
+            <a:picLocks noChangeAspect="1"/>
+          </p:cNvPicPr>
+          <p:nvPr/>
+        </p:nvPicPr>
+        <p:blipFill>
+          <a:blip r:embed="rId3"/>
+          <a:stretch>
+            <a:fillRect/>
+          </a:stretch>
+        </p:blipFill>
+        <p:spPr>
+          <a:xfrm>
+            <a:off x="213600" y="1642190"/>
+            <a:ext cx="11764800" cy="3906353"/>
+          </a:xfrm>
+          <a:prstGeom prst="rect">
+            <a:avLst/>
+          </a:prstGeom>
+        </p:spPr>
+      </p:pic>
+    </p:spTree>
+    <p:extLst>
+      <p:ext uri="{BB962C8B-B14F-4D97-AF65-F5344CB8AC3E}">
+        <p14:creationId xmlns:p14="http://schemas.microsoft.com/office/powerpoint/2010/main" val="4129999207"/>
+      </p:ext>
+    </p:extLst>
+  </p:cSld>
+  <p:clrMapOvr>
+    <a:masterClrMapping/>
+  </p:clrMapOvr>
+</p:sld>
+</file>
+
+<file path=ppt/slides/slide9.xml><?xml version="1.0" encoding="utf-8"?>
+<p:sld xmlns:a="http://schemas.openxmlformats.org/drawingml/2006/main" xmlns:r="http://schemas.openxmlformats.org/officeDocument/2006/relationships" xmlns:p="http://schemas.openxmlformats.org/presentationml/2006/main">
+  <p:cSld>
+    <p:spTree>
+      <p:nvGrpSpPr>
+        <p:cNvPr id="1" name=""/>
+        <p:cNvGrpSpPr/>
+        <p:nvPr/>
+      </p:nvGrpSpPr>
+      <p:grpSpPr>
+        <a:xfrm>
+          <a:off x="0" y="0"/>
+          <a:ext cx="0" cy="0"/>
+          <a:chOff x="0" y="0"/>
+          <a:chExt cx="0" cy="0"/>
+        </a:xfrm>
+      </p:grpSpPr>
+      <p:sp>
+        <p:nvSpPr>
+          <p:cNvPr id="3" name="文本框 2">
+            <a:extLst>
+              <a:ext uri="{FF2B5EF4-FFF2-40B4-BE49-F238E27FC236}">
+                <a16:creationId xmlns:a16="http://schemas.microsoft.com/office/drawing/2014/main" id="{DEC44691-3886-4503-9BBA-F5416DAF4822}"/>
+              </a:ext>
+            </a:extLst>
+          </p:cNvPr>
+          <p:cNvSpPr txBox="1"/>
+          <p:nvPr/>
+        </p:nvSpPr>
+        <p:spPr>
+          <a:xfrm>
+            <a:off x="336289" y="107435"/>
+            <a:ext cx="6196591" cy="707886"/>
+          </a:xfrm>
+          <a:prstGeom prst="rect">
+            <a:avLst/>
+          </a:prstGeom>
+          <a:noFill/>
+        </p:spPr>
+        <p:txBody>
+          <a:bodyPr wrap="square" rtlCol="0">
+            <a:spAutoFit/>
+          </a:bodyPr>
+          <a:lstStyle/>
+          <a:p>
+            <a:r>
+              <a:rPr kumimoji="1" lang="en-US" altLang="zh-CN" sz="4000" b="1">
+                <a:solidFill>
+                  <a:schemeClr val="accent1">
+                    <a:lumMod val="50000"/>
+                  </a:schemeClr>
+                </a:solidFill>
+                <a:latin typeface="微软雅黑" panose="020B0503020204020204" pitchFamily="34" charset="-122"/>
+                <a:ea typeface="微软雅黑" panose="020B0503020204020204" pitchFamily="34" charset="-122"/>
+                <a:cs typeface="Times New Roman" panose="02020603050405020304" pitchFamily="18" charset="0"/>
+              </a:rPr>
+              <a:t>Aster</a:t>
+            </a:r>
+            <a:r>
+              <a:rPr kumimoji="1" lang="zh-CN" altLang="en-US" sz="4000" b="1">
+                <a:solidFill>
+                  <a:schemeClr val="accent1">
+                    <a:lumMod val="50000"/>
+                  </a:schemeClr>
+                </a:solidFill>
+                <a:latin typeface="微软雅黑" panose="020B0503020204020204" pitchFamily="34" charset="-122"/>
+                <a:ea typeface="微软雅黑" panose="020B0503020204020204" pitchFamily="34" charset="-122"/>
+                <a:cs typeface="Times New Roman" panose="02020603050405020304" pitchFamily="18" charset="0"/>
+              </a:rPr>
+              <a:t>方法主要步骤</a:t>
+            </a:r>
+          </a:p>
+        </p:txBody>
+      </p:sp>
+      <mc:AlternateContent xmlns:mc="http://schemas.openxmlformats.org/markup-compatibility/2006" xmlns:a14="http://schemas.microsoft.com/office/drawing/2010/main">
+        <mc:Choice Requires="a14">
           <p:sp>
             <p:nvSpPr>
               <p:cNvPr id="5" name="文本框 4">
@@ -16793,7 +17796,7 @@
             </p:txBody>
           </p:sp>
         </mc:Choice>
-        <mc:Fallback>
+        <mc:Fallback xmlns="">
           <p:sp>
             <p:nvSpPr>
               <p:cNvPr id="5" name="文本框 4">
@@ -16975,523 +17978,6 @@
     <p:extLst>
       <p:ext uri="{BB962C8B-B14F-4D97-AF65-F5344CB8AC3E}">
         <p14:creationId xmlns:p14="http://schemas.microsoft.com/office/powerpoint/2010/main" val="3792626334"/>
-      </p:ext>
-    </p:extLst>
-  </p:cSld>
-  <p:clrMapOvr>
-    <a:masterClrMapping/>
-  </p:clrMapOvr>
-</p:sld>
-</file>
-
-<file path=ppt/slides/slide9.xml><?xml version="1.0" encoding="utf-8"?>
-<p:sld xmlns:a="http://schemas.openxmlformats.org/drawingml/2006/main" xmlns:r="http://schemas.openxmlformats.org/officeDocument/2006/relationships" xmlns:p="http://schemas.openxmlformats.org/presentationml/2006/main">
-  <p:cSld>
-    <p:spTree>
-      <p:nvGrpSpPr>
-        <p:cNvPr id="1" name=""/>
-        <p:cNvGrpSpPr/>
-        <p:nvPr/>
-      </p:nvGrpSpPr>
-      <p:grpSpPr>
-        <a:xfrm>
-          <a:off x="0" y="0"/>
-          <a:ext cx="0" cy="0"/>
-          <a:chOff x="0" y="0"/>
-          <a:chExt cx="0" cy="0"/>
-        </a:xfrm>
-      </p:grpSpPr>
-      <p:sp>
-        <p:nvSpPr>
-          <p:cNvPr id="3" name="文本框 2">
-            <a:extLst>
-              <a:ext uri="{FF2B5EF4-FFF2-40B4-BE49-F238E27FC236}">
-                <a16:creationId xmlns:a16="http://schemas.microsoft.com/office/drawing/2014/main" id="{DEC44691-3886-4503-9BBA-F5416DAF4822}"/>
-              </a:ext>
-            </a:extLst>
-          </p:cNvPr>
-          <p:cNvSpPr txBox="1"/>
-          <p:nvPr/>
-        </p:nvSpPr>
-        <p:spPr>
-          <a:xfrm>
-            <a:off x="336289" y="107435"/>
-            <a:ext cx="6196591" cy="707886"/>
-          </a:xfrm>
-          <a:prstGeom prst="rect">
-            <a:avLst/>
-          </a:prstGeom>
-          <a:noFill/>
-        </p:spPr>
-        <p:txBody>
-          <a:bodyPr wrap="square" rtlCol="0">
-            <a:spAutoFit/>
-          </a:bodyPr>
-          <a:lstStyle/>
-          <a:p>
-            <a:r>
-              <a:rPr kumimoji="1" lang="en-US" altLang="zh-CN" sz="4000" b="1">
-                <a:solidFill>
-                  <a:schemeClr val="accent1">
-                    <a:lumMod val="50000"/>
-                  </a:schemeClr>
-                </a:solidFill>
-                <a:latin typeface="微软雅黑" panose="020B0503020204020204" pitchFamily="34" charset="-122"/>
-                <a:ea typeface="微软雅黑" panose="020B0503020204020204" pitchFamily="34" charset="-122"/>
-                <a:cs typeface="Times New Roman" panose="02020603050405020304" pitchFamily="18" charset="0"/>
-              </a:rPr>
-              <a:t>Aster</a:t>
-            </a:r>
-            <a:r>
-              <a:rPr kumimoji="1" lang="zh-CN" altLang="en-US" sz="4000" b="1">
-                <a:solidFill>
-                  <a:schemeClr val="accent1">
-                    <a:lumMod val="50000"/>
-                  </a:schemeClr>
-                </a:solidFill>
-                <a:latin typeface="微软雅黑" panose="020B0503020204020204" pitchFamily="34" charset="-122"/>
-                <a:ea typeface="微软雅黑" panose="020B0503020204020204" pitchFamily="34" charset="-122"/>
-                <a:cs typeface="Times New Roman" panose="02020603050405020304" pitchFamily="18" charset="0"/>
-              </a:rPr>
-              <a:t>方法主要步骤</a:t>
-            </a:r>
-          </a:p>
-        </p:txBody>
-      </p:sp>
-      <mc:AlternateContent xmlns:mc="http://schemas.openxmlformats.org/markup-compatibility/2006">
-        <mc:Choice xmlns:a14="http://schemas.microsoft.com/office/drawing/2010/main" Requires="a14">
-          <p:sp>
-            <p:nvSpPr>
-              <p:cNvPr id="5" name="文本框 4">
-                <a:extLst>
-                  <a:ext uri="{FF2B5EF4-FFF2-40B4-BE49-F238E27FC236}">
-                    <a16:creationId xmlns:a16="http://schemas.microsoft.com/office/drawing/2014/main" id="{BBB31A77-84B0-4109-B54A-5C560F14D854}"/>
-                  </a:ext>
-                </a:extLst>
-              </p:cNvPr>
-              <p:cNvSpPr txBox="1"/>
-              <p:nvPr/>
-            </p:nvSpPr>
-            <p:spPr>
-              <a:xfrm>
-                <a:off x="496530" y="1088369"/>
-                <a:ext cx="11198940" cy="2510944"/>
-              </a:xfrm>
-              <a:prstGeom prst="rect">
-                <a:avLst/>
-              </a:prstGeom>
-              <a:noFill/>
-            </p:spPr>
-            <p:txBody>
-              <a:bodyPr wrap="square">
-                <a:spAutoFit/>
-              </a:bodyPr>
-              <a:lstStyle/>
-              <a:p>
-                <a:pPr marL="457200" indent="-457200">
-                  <a:lnSpc>
-                    <a:spcPct val="114000"/>
-                  </a:lnSpc>
-                  <a:buFont typeface="Wingdings" panose="05000000000000000000" pitchFamily="2" charset="2"/>
-                  <a:buChar char="Ø"/>
-                </a:pPr>
-                <a:r>
-                  <a:rPr lang="zh-CN" altLang="en-US" sz="2800">
-                    <a:solidFill>
-                      <a:srgbClr val="C00000"/>
-                    </a:solidFill>
-                    <a:latin typeface="华文中宋" panose="02010600040101010101" pitchFamily="2" charset="-122"/>
-                    <a:ea typeface="华文中宋" panose="02010600040101010101" pitchFamily="2" charset="-122"/>
-                    <a:cs typeface="Times New Roman" panose="02020603050405020304" pitchFamily="18" charset="0"/>
-                  </a:rPr>
-                  <a:t>②成员推理：</a:t>
-                </a:r>
-                <a:endParaRPr lang="en-US" altLang="zh-CN" sz="2800">
-                  <a:solidFill>
-                    <a:srgbClr val="C00000"/>
-                  </a:solidFill>
-                  <a:latin typeface="华文中宋" panose="02010600040101010101" pitchFamily="2" charset="-122"/>
-                  <a:ea typeface="华文中宋" panose="02010600040101010101" pitchFamily="2" charset="-122"/>
-                  <a:cs typeface="Times New Roman" panose="02020603050405020304" pitchFamily="18" charset="0"/>
-                </a:endParaRPr>
-              </a:p>
-              <a:p>
-                <a:pPr marL="457200" indent="-457200">
-                  <a:lnSpc>
-                    <a:spcPct val="114000"/>
-                  </a:lnSpc>
-                  <a:buFont typeface="Wingdings" panose="05000000000000000000" pitchFamily="2" charset="2"/>
-                  <a:buChar char="Ø"/>
-                </a:pPr>
-                <a:endParaRPr lang="en-US" altLang="zh-CN" sz="2800">
-                  <a:solidFill>
-                    <a:srgbClr val="C00000"/>
-                  </a:solidFill>
-                  <a:latin typeface="华文中宋" panose="02010600040101010101" pitchFamily="2" charset="-122"/>
-                  <a:ea typeface="华文中宋" panose="02010600040101010101" pitchFamily="2" charset="-122"/>
-                  <a:cs typeface="Times New Roman" panose="02020603050405020304" pitchFamily="18" charset="0"/>
-                </a:endParaRPr>
-              </a:p>
-              <a:p>
-                <a:pPr>
-                  <a:lnSpc>
-                    <a:spcPct val="114000"/>
-                  </a:lnSpc>
-                </a:pPr>
-                <a:r>
-                  <a:rPr lang="zh-CN" altLang="en-US" sz="2800">
-                    <a:latin typeface="华文中宋" panose="02010600040101010101" pitchFamily="2" charset="-122"/>
-                    <a:ea typeface="华文中宋" panose="02010600040101010101" pitchFamily="2" charset="-122"/>
-                    <a:cs typeface="Times New Roman" panose="02020603050405020304" pitchFamily="18" charset="0"/>
-                  </a:rPr>
-                  <a:t>    利用无监督聚类方法将一组目标记录分组为</a:t>
-                </a:r>
-                <a:r>
-                  <a:rPr lang="en-US" altLang="zh-CN" sz="2800">
-                    <a:latin typeface="华文中宋" panose="02010600040101010101" pitchFamily="2" charset="-122"/>
-                    <a:ea typeface="华文中宋" panose="02010600040101010101" pitchFamily="2" charset="-122"/>
-                    <a:cs typeface="Times New Roman" panose="02020603050405020304" pitchFamily="18" charset="0"/>
-                  </a:rPr>
-                  <a:t>2</a:t>
-                </a:r>
-                <a:r>
-                  <a:rPr lang="zh-CN" altLang="en-US" sz="2800">
-                    <a:latin typeface="华文中宋" panose="02010600040101010101" pitchFamily="2" charset="-122"/>
-                    <a:ea typeface="华文中宋" panose="02010600040101010101" pitchFamily="2" charset="-122"/>
-                    <a:cs typeface="Times New Roman" panose="02020603050405020304" pitchFamily="18" charset="0"/>
-                  </a:rPr>
-                  <a:t>个聚类，然后确定平均  </a:t>
-                </a:r>
-                <a:endParaRPr lang="en-US" altLang="zh-CN" sz="2800">
-                  <a:latin typeface="华文中宋" panose="02010600040101010101" pitchFamily="2" charset="-122"/>
-                  <a:ea typeface="华文中宋" panose="02010600040101010101" pitchFamily="2" charset="-122"/>
-                  <a:cs typeface="Times New Roman" panose="02020603050405020304" pitchFamily="18" charset="0"/>
-                </a:endParaRPr>
-              </a:p>
-              <a:p>
-                <a:pPr>
-                  <a:lnSpc>
-                    <a:spcPct val="114000"/>
-                  </a:lnSpc>
-                </a:pPr>
-                <a:r>
-                  <a:rPr lang="en-US" altLang="zh-CN" sz="2800">
-                    <a:latin typeface="华文中宋" panose="02010600040101010101" pitchFamily="2" charset="-122"/>
-                    <a:ea typeface="华文中宋" panose="02010600040101010101" pitchFamily="2" charset="-122"/>
-                    <a:cs typeface="Times New Roman" panose="02020603050405020304" pitchFamily="18" charset="0"/>
-                  </a:rPr>
-                  <a:t>    </a:t>
-                </a:r>
-                <a:r>
-                  <a:rPr lang="zh-CN" altLang="en-US" sz="2800">
-                    <a:latin typeface="华文中宋" panose="02010600040101010101" pitchFamily="2" charset="-122"/>
-                    <a:ea typeface="华文中宋" panose="02010600040101010101" pitchFamily="2" charset="-122"/>
-                    <a:cs typeface="Times New Roman" panose="02020603050405020304" pitchFamily="18" charset="0"/>
-                  </a:rPr>
-                  <a:t>灵敏度较低的聚类作为</a:t>
-                </a:r>
-                <a14:m>
-                  <m:oMath xmlns:m="http://schemas.openxmlformats.org/officeDocument/2006/math">
-                    <m:r>
-                      <a:rPr lang="en-US" altLang="zh-CN" sz="2800" i="1" smtClean="0">
-                        <a:latin typeface="Cambria Math" panose="02040503050406030204" pitchFamily="18" charset="0"/>
-                        <a:ea typeface="华文中宋" panose="02010600040101010101" pitchFamily="2" charset="-122"/>
-                        <a:cs typeface="Times New Roman" panose="02020603050405020304" pitchFamily="18" charset="0"/>
-                      </a:rPr>
-                      <m:t>𝑀</m:t>
-                    </m:r>
-                  </m:oMath>
-                </a14:m>
-                <a:r>
-                  <a:rPr lang="zh-CN" altLang="en-US" sz="2800">
-                    <a:latin typeface="华文中宋" panose="02010600040101010101" pitchFamily="2" charset="-122"/>
-                    <a:ea typeface="华文中宋" panose="02010600040101010101" pitchFamily="2" charset="-122"/>
-                    <a:cs typeface="Times New Roman" panose="02020603050405020304" pitchFamily="18" charset="0"/>
-                  </a:rPr>
-                  <a:t>的训练集的成员。（当要对多个样本进行</a:t>
-                </a:r>
-                <a:endParaRPr lang="en-US" altLang="zh-CN" sz="2800">
-                  <a:latin typeface="华文中宋" panose="02010600040101010101" pitchFamily="2" charset="-122"/>
-                  <a:ea typeface="华文中宋" panose="02010600040101010101" pitchFamily="2" charset="-122"/>
-                  <a:cs typeface="Times New Roman" panose="02020603050405020304" pitchFamily="18" charset="0"/>
-                </a:endParaRPr>
-              </a:p>
-              <a:p>
-                <a:pPr>
-                  <a:lnSpc>
-                    <a:spcPct val="114000"/>
-                  </a:lnSpc>
-                </a:pPr>
-                <a:r>
-                  <a:rPr lang="en-US" altLang="zh-CN" sz="2800">
-                    <a:latin typeface="华文中宋" panose="02010600040101010101" pitchFamily="2" charset="-122"/>
-                    <a:ea typeface="华文中宋" panose="02010600040101010101" pitchFamily="2" charset="-122"/>
-                    <a:cs typeface="Times New Roman" panose="02020603050405020304" pitchFamily="18" charset="0"/>
-                  </a:rPr>
-                  <a:t>    </a:t>
-                </a:r>
-                <a:r>
-                  <a:rPr lang="zh-CN" altLang="en-US" sz="2800">
-                    <a:latin typeface="华文中宋" panose="02010600040101010101" pitchFamily="2" charset="-122"/>
-                    <a:ea typeface="华文中宋" panose="02010600040101010101" pitchFamily="2" charset="-122"/>
-                    <a:cs typeface="Times New Roman" panose="02020603050405020304" pitchFamily="18" charset="0"/>
-                  </a:rPr>
-                  <a:t>推理时）    </a:t>
-                </a:r>
-                <a:endParaRPr lang="en-US" altLang="zh-CN" sz="2800">
-                  <a:latin typeface="华文中宋" panose="02010600040101010101" pitchFamily="2" charset="-122"/>
-                  <a:ea typeface="华文中宋" panose="02010600040101010101" pitchFamily="2" charset="-122"/>
-                  <a:cs typeface="Times New Roman" panose="02020603050405020304" pitchFamily="18" charset="0"/>
-                </a:endParaRPr>
-              </a:p>
-            </p:txBody>
-          </p:sp>
-        </mc:Choice>
-        <mc:Fallback>
-          <p:sp>
-            <p:nvSpPr>
-              <p:cNvPr id="5" name="文本框 4">
-                <a:extLst>
-                  <a:ext uri="{FF2B5EF4-FFF2-40B4-BE49-F238E27FC236}">
-                    <a16:creationId xmlns:a16="http://schemas.microsoft.com/office/drawing/2014/main" id="{BBB31A77-84B0-4109-B54A-5C560F14D854}"/>
-                  </a:ext>
-                </a:extLst>
-              </p:cNvPr>
-              <p:cNvSpPr txBox="1">
-                <a:spLocks noRot="1" noChangeAspect="1" noMove="1" noResize="1" noEditPoints="1" noAdjustHandles="1" noChangeArrowheads="1" noChangeShapeType="1" noTextEdit="1"/>
-              </p:cNvSpPr>
-              <p:nvPr/>
-            </p:nvSpPr>
-            <p:spPr>
-              <a:xfrm>
-                <a:off x="496530" y="1088369"/>
-                <a:ext cx="11198940" cy="2510944"/>
-              </a:xfrm>
-              <a:prstGeom prst="rect">
-                <a:avLst/>
-              </a:prstGeom>
-              <a:blipFill>
-                <a:blip r:embed="rId3"/>
-                <a:stretch>
-                  <a:fillRect l="-925" t="-1703" r="-598" b="-6083"/>
-                </a:stretch>
-              </a:blipFill>
-            </p:spPr>
-            <p:txBody>
-              <a:bodyPr/>
-              <a:lstStyle/>
-              <a:p>
-                <a:r>
-                  <a:rPr lang="zh-CN" altLang="en-US">
-                    <a:noFill/>
-                  </a:rPr>
-                  <a:t> </a:t>
-                </a:r>
-              </a:p>
-            </p:txBody>
-          </p:sp>
-        </mc:Fallback>
-      </mc:AlternateContent>
-      <p:cxnSp>
-        <p:nvCxnSpPr>
-          <p:cNvPr id="10" name="直接连接符 9">
-            <a:extLst>
-              <a:ext uri="{FF2B5EF4-FFF2-40B4-BE49-F238E27FC236}">
-                <a16:creationId xmlns:a16="http://schemas.microsoft.com/office/drawing/2014/main" id="{B4FE4F6A-540B-4003-A935-887F5A120DCC}"/>
-              </a:ext>
-            </a:extLst>
-          </p:cNvPr>
-          <p:cNvCxnSpPr/>
-          <p:nvPr/>
-        </p:nvCxnSpPr>
-        <p:spPr>
-          <a:xfrm>
-            <a:off x="0" y="906761"/>
-            <a:ext cx="12192000" cy="0"/>
-          </a:xfrm>
-          <a:prstGeom prst="line">
-            <a:avLst/>
-          </a:prstGeom>
-          <a:ln w="19050">
-            <a:solidFill>
-              <a:srgbClr val="203864"/>
-            </a:solidFill>
-          </a:ln>
-        </p:spPr>
-        <p:style>
-          <a:lnRef idx="1">
-            <a:schemeClr val="accent1"/>
-          </a:lnRef>
-          <a:fillRef idx="0">
-            <a:schemeClr val="accent1"/>
-          </a:fillRef>
-          <a:effectRef idx="0">
-            <a:schemeClr val="accent1"/>
-          </a:effectRef>
-          <a:fontRef idx="minor">
-            <a:schemeClr val="tx1"/>
-          </a:fontRef>
-        </p:style>
-      </p:cxnSp>
-      <p:sp>
-        <p:nvSpPr>
-          <p:cNvPr id="9" name="文本框 8">
-            <a:extLst>
-              <a:ext uri="{FF2B5EF4-FFF2-40B4-BE49-F238E27FC236}">
-                <a16:creationId xmlns:a16="http://schemas.microsoft.com/office/drawing/2014/main" id="{B67210FE-A797-442A-B719-29D376C349D6}"/>
-              </a:ext>
-            </a:extLst>
-          </p:cNvPr>
-          <p:cNvSpPr txBox="1"/>
-          <p:nvPr/>
-        </p:nvSpPr>
-        <p:spPr>
-          <a:xfrm>
-            <a:off x="967740" y="3911599"/>
-            <a:ext cx="10727730" cy="2019720"/>
-          </a:xfrm>
-          <a:prstGeom prst="rect">
-            <a:avLst/>
-          </a:prstGeom>
-          <a:noFill/>
-        </p:spPr>
-        <p:txBody>
-          <a:bodyPr wrap="square">
-            <a:spAutoFit/>
-          </a:bodyPr>
-          <a:lstStyle/>
-          <a:p>
-            <a:pPr algn="just">
-              <a:lnSpc>
-                <a:spcPct val="114000"/>
-              </a:lnSpc>
-              <a:spcAft>
-                <a:spcPts val="2400"/>
-              </a:spcAft>
-            </a:pPr>
-            <a:r>
-              <a:rPr lang="zh-CN" altLang="en-US" sz="2800">
-                <a:solidFill>
-                  <a:srgbClr val="0070C0"/>
-                </a:solidFill>
-                <a:latin typeface="华文中宋" panose="02010600040101010101" pitchFamily="2" charset="-122"/>
-                <a:ea typeface="华文中宋" panose="02010600040101010101" pitchFamily="2" charset="-122"/>
-                <a:cs typeface="Times New Roman" panose="02020603050405020304" pitchFamily="18" charset="0"/>
-              </a:rPr>
-              <a:t>对聚类方法和簇数的选择：</a:t>
-            </a:r>
-            <a:r>
-              <a:rPr lang="zh-CN" altLang="en-US" sz="2800">
-                <a:latin typeface="华文中宋" panose="02010600040101010101" pitchFamily="2" charset="-122"/>
-                <a:ea typeface="华文中宋" panose="02010600040101010101" pitchFamily="2" charset="-122"/>
-                <a:cs typeface="Times New Roman" panose="02020603050405020304" pitchFamily="18" charset="0"/>
-              </a:rPr>
-              <a:t>用</a:t>
-            </a:r>
-            <a:r>
-              <a:rPr lang="en-US" altLang="zh-CN" sz="2800">
-                <a:latin typeface="华文中宋" panose="02010600040101010101" pitchFamily="2" charset="-122"/>
-                <a:ea typeface="华文中宋" panose="02010600040101010101" pitchFamily="2" charset="-122"/>
-                <a:cs typeface="Times New Roman" panose="02020603050405020304" pitchFamily="18" charset="0"/>
-              </a:rPr>
-              <a:t>K-Means, Spectral Clustering</a:t>
-            </a:r>
-            <a:r>
-              <a:rPr lang="zh-CN" altLang="en-US" sz="2800">
-                <a:latin typeface="华文中宋" panose="02010600040101010101" pitchFamily="2" charset="-122"/>
-                <a:ea typeface="华文中宋" panose="02010600040101010101" pitchFamily="2" charset="-122"/>
-                <a:cs typeface="Times New Roman" panose="02020603050405020304" pitchFamily="18" charset="0"/>
-              </a:rPr>
-              <a:t>和</a:t>
-            </a:r>
-            <a:r>
-              <a:rPr lang="en-US" altLang="zh-CN" sz="2800">
-                <a:latin typeface="华文中宋" panose="02010600040101010101" pitchFamily="2" charset="-122"/>
-                <a:ea typeface="华文中宋" panose="02010600040101010101" pitchFamily="2" charset="-122"/>
-                <a:cs typeface="Times New Roman" panose="02020603050405020304" pitchFamily="18" charset="0"/>
-              </a:rPr>
-              <a:t> DB-SCAN</a:t>
-            </a:r>
-            <a:r>
-              <a:rPr lang="zh-CN" altLang="en-US" sz="2800">
-                <a:latin typeface="华文中宋" panose="02010600040101010101" pitchFamily="2" charset="-122"/>
-                <a:ea typeface="华文中宋" panose="02010600040101010101" pitchFamily="2" charset="-122"/>
-                <a:cs typeface="Times New Roman" panose="02020603050405020304" pitchFamily="18" charset="0"/>
-              </a:rPr>
-              <a:t>做了实验。</a:t>
-            </a:r>
-            <a:r>
-              <a:rPr lang="en-US" altLang="zh-CN" sz="2800">
-                <a:solidFill>
-                  <a:srgbClr val="C00000"/>
-                </a:solidFill>
-                <a:latin typeface="华文中宋" panose="02010600040101010101" pitchFamily="2" charset="-122"/>
-                <a:ea typeface="华文中宋" panose="02010600040101010101" pitchFamily="2" charset="-122"/>
-                <a:cs typeface="Times New Roman" panose="02020603050405020304" pitchFamily="18" charset="0"/>
-              </a:rPr>
-              <a:t>Spectral Clustering</a:t>
-            </a:r>
-            <a:r>
-              <a:rPr lang="zh-CN" altLang="en-US" sz="2800">
-                <a:solidFill>
-                  <a:srgbClr val="C00000"/>
-                </a:solidFill>
-                <a:latin typeface="华文中宋" panose="02010600040101010101" pitchFamily="2" charset="-122"/>
-                <a:ea typeface="华文中宋" panose="02010600040101010101" pitchFamily="2" charset="-122"/>
-                <a:cs typeface="Times New Roman" panose="02020603050405020304" pitchFamily="18" charset="0"/>
-              </a:rPr>
-              <a:t>（谱聚类算法）</a:t>
-            </a:r>
-            <a:r>
-              <a:rPr lang="zh-CN" altLang="en-US" sz="2800">
-                <a:latin typeface="华文中宋" panose="02010600040101010101" pitchFamily="2" charset="-122"/>
-                <a:ea typeface="华文中宋" panose="02010600040101010101" pitchFamily="2" charset="-122"/>
-                <a:cs typeface="Times New Roman" panose="02020603050405020304" pitchFamily="18" charset="0"/>
-              </a:rPr>
-              <a:t>获得了最佳性能。根据实验所用模型在不同簇数下的平均性能，</a:t>
-            </a:r>
-            <a:r>
-              <a:rPr lang="zh-CN" altLang="en-US" sz="2800">
-                <a:solidFill>
-                  <a:srgbClr val="C00000"/>
-                </a:solidFill>
-                <a:latin typeface="华文中宋" panose="02010600040101010101" pitchFamily="2" charset="-122"/>
-                <a:ea typeface="华文中宋" panose="02010600040101010101" pitchFamily="2" charset="-122"/>
-                <a:cs typeface="Times New Roman" panose="02020603050405020304" pitchFamily="18" charset="0"/>
-              </a:rPr>
-              <a:t>簇数选择为</a:t>
-            </a:r>
-            <a:r>
-              <a:rPr lang="en-US" altLang="zh-CN" sz="2800">
-                <a:solidFill>
-                  <a:srgbClr val="C00000"/>
-                </a:solidFill>
-                <a:latin typeface="华文中宋" panose="02010600040101010101" pitchFamily="2" charset="-122"/>
-                <a:ea typeface="华文中宋" panose="02010600040101010101" pitchFamily="2" charset="-122"/>
-                <a:cs typeface="Times New Roman" panose="02020603050405020304" pitchFamily="18" charset="0"/>
-              </a:rPr>
-              <a:t>6</a:t>
-            </a:r>
-            <a:r>
-              <a:rPr lang="zh-CN" altLang="en-US" sz="2800">
-                <a:latin typeface="华文中宋" panose="02010600040101010101" pitchFamily="2" charset="-122"/>
-                <a:ea typeface="华文中宋" panose="02010600040101010101" pitchFamily="2" charset="-122"/>
-                <a:cs typeface="Times New Roman" panose="02020603050405020304" pitchFamily="18" charset="0"/>
-              </a:rPr>
-              <a:t>。</a:t>
-            </a:r>
-            <a:endParaRPr lang="en-US" altLang="zh-CN" sz="2800">
-              <a:latin typeface="华文中宋" panose="02010600040101010101" pitchFamily="2" charset="-122"/>
-              <a:ea typeface="华文中宋" panose="02010600040101010101" pitchFamily="2" charset="-122"/>
-              <a:cs typeface="Times New Roman" panose="02020603050405020304" pitchFamily="18" charset="0"/>
-            </a:endParaRPr>
-          </a:p>
-        </p:txBody>
-      </p:sp>
-    </p:spTree>
-    <p:extLst>
-      <p:ext uri="{BB962C8B-B14F-4D97-AF65-F5344CB8AC3E}">
-        <p14:creationId xmlns:p14="http://schemas.microsoft.com/office/powerpoint/2010/main" val="751094159"/>
       </p:ext>
     </p:extLst>
   </p:cSld>
